--- a/fEPSP 파형 비교.pptx
+++ b/fEPSP 파형 비교.pptx
@@ -18,6 +18,8 @@
     <p:sldId id="262" r:id="rId12"/>
     <p:sldId id="261" r:id="rId13"/>
     <p:sldId id="260" r:id="rId14"/>
+    <p:sldId id="269" r:id="rId15"/>
+    <p:sldId id="270" r:id="rId16"/>
   </p:sldIdLst>
   <p:sldSz cx="12192000" cy="6858000"/>
   <p:notesSz cx="6858000" cy="9144000"/>
@@ -271,7 +273,7 @@
           <a:p>
             <a:fld id="{C886CFC6-C2AB-4216-896F-5E6FD9EC7268}" type="datetimeFigureOut">
               <a:rPr lang="ko-KR" altLang="en-US" smtClean="0"/>
-              <a:t>2025-09-18</a:t>
+              <a:t>2025-09-22</a:t>
             </a:fld>
             <a:endParaRPr lang="ko-KR" altLang="en-US"/>
           </a:p>
@@ -469,7 +471,7 @@
           <a:p>
             <a:fld id="{C886CFC6-C2AB-4216-896F-5E6FD9EC7268}" type="datetimeFigureOut">
               <a:rPr lang="ko-KR" altLang="en-US" smtClean="0"/>
-              <a:t>2025-09-18</a:t>
+              <a:t>2025-09-22</a:t>
             </a:fld>
             <a:endParaRPr lang="ko-KR" altLang="en-US"/>
           </a:p>
@@ -677,7 +679,7 @@
           <a:p>
             <a:fld id="{C886CFC6-C2AB-4216-896F-5E6FD9EC7268}" type="datetimeFigureOut">
               <a:rPr lang="ko-KR" altLang="en-US" smtClean="0"/>
-              <a:t>2025-09-18</a:t>
+              <a:t>2025-09-22</a:t>
             </a:fld>
             <a:endParaRPr lang="ko-KR" altLang="en-US"/>
           </a:p>
@@ -875,7 +877,7 @@
           <a:p>
             <a:fld id="{C886CFC6-C2AB-4216-896F-5E6FD9EC7268}" type="datetimeFigureOut">
               <a:rPr lang="ko-KR" altLang="en-US" smtClean="0"/>
-              <a:t>2025-09-18</a:t>
+              <a:t>2025-09-22</a:t>
             </a:fld>
             <a:endParaRPr lang="ko-KR" altLang="en-US"/>
           </a:p>
@@ -1150,7 +1152,7 @@
           <a:p>
             <a:fld id="{C886CFC6-C2AB-4216-896F-5E6FD9EC7268}" type="datetimeFigureOut">
               <a:rPr lang="ko-KR" altLang="en-US" smtClean="0"/>
-              <a:t>2025-09-18</a:t>
+              <a:t>2025-09-22</a:t>
             </a:fld>
             <a:endParaRPr lang="ko-KR" altLang="en-US"/>
           </a:p>
@@ -1415,7 +1417,7 @@
           <a:p>
             <a:fld id="{C886CFC6-C2AB-4216-896F-5E6FD9EC7268}" type="datetimeFigureOut">
               <a:rPr lang="ko-KR" altLang="en-US" smtClean="0"/>
-              <a:t>2025-09-18</a:t>
+              <a:t>2025-09-22</a:t>
             </a:fld>
             <a:endParaRPr lang="ko-KR" altLang="en-US"/>
           </a:p>
@@ -1827,7 +1829,7 @@
           <a:p>
             <a:fld id="{C886CFC6-C2AB-4216-896F-5E6FD9EC7268}" type="datetimeFigureOut">
               <a:rPr lang="ko-KR" altLang="en-US" smtClean="0"/>
-              <a:t>2025-09-18</a:t>
+              <a:t>2025-09-22</a:t>
             </a:fld>
             <a:endParaRPr lang="ko-KR" altLang="en-US"/>
           </a:p>
@@ -1968,7 +1970,7 @@
           <a:p>
             <a:fld id="{C886CFC6-C2AB-4216-896F-5E6FD9EC7268}" type="datetimeFigureOut">
               <a:rPr lang="ko-KR" altLang="en-US" smtClean="0"/>
-              <a:t>2025-09-18</a:t>
+              <a:t>2025-09-22</a:t>
             </a:fld>
             <a:endParaRPr lang="ko-KR" altLang="en-US"/>
           </a:p>
@@ -2081,7 +2083,7 @@
           <a:p>
             <a:fld id="{C886CFC6-C2AB-4216-896F-5E6FD9EC7268}" type="datetimeFigureOut">
               <a:rPr lang="ko-KR" altLang="en-US" smtClean="0"/>
-              <a:t>2025-09-18</a:t>
+              <a:t>2025-09-22</a:t>
             </a:fld>
             <a:endParaRPr lang="ko-KR" altLang="en-US"/>
           </a:p>
@@ -2392,7 +2394,7 @@
           <a:p>
             <a:fld id="{C886CFC6-C2AB-4216-896F-5E6FD9EC7268}" type="datetimeFigureOut">
               <a:rPr lang="ko-KR" altLang="en-US" smtClean="0"/>
-              <a:t>2025-09-18</a:t>
+              <a:t>2025-09-22</a:t>
             </a:fld>
             <a:endParaRPr lang="ko-KR" altLang="en-US"/>
           </a:p>
@@ -2680,7 +2682,7 @@
           <a:p>
             <a:fld id="{C886CFC6-C2AB-4216-896F-5E6FD9EC7268}" type="datetimeFigureOut">
               <a:rPr lang="ko-KR" altLang="en-US" smtClean="0"/>
-              <a:t>2025-09-18</a:t>
+              <a:t>2025-09-22</a:t>
             </a:fld>
             <a:endParaRPr lang="ko-KR" altLang="en-US"/>
           </a:p>
@@ -2921,7 +2923,7 @@
           <a:p>
             <a:fld id="{C886CFC6-C2AB-4216-896F-5E6FD9EC7268}" type="datetimeFigureOut">
               <a:rPr lang="ko-KR" altLang="en-US" smtClean="0"/>
-              <a:t>2025-09-18</a:t>
+              <a:t>2025-09-22</a:t>
             </a:fld>
             <a:endParaRPr lang="ko-KR" altLang="en-US"/>
           </a:p>
@@ -3783,6 +3785,2190 @@
     <p:extLst>
       <p:ext uri="{BB962C8B-B14F-4D97-AF65-F5344CB8AC3E}">
         <p14:creationId xmlns:p14="http://schemas.microsoft.com/office/powerpoint/2010/main" val="3075565665"/>
+      </p:ext>
+    </p:extLst>
+  </p:cSld>
+  <p:clrMapOvr>
+    <a:masterClrMapping/>
+  </p:clrMapOvr>
+</p:sld>
+</file>
+
+<file path=ppt/slides/slide14.xml><?xml version="1.0" encoding="utf-8"?>
+<p:sld xmlns:a="http://schemas.openxmlformats.org/drawingml/2006/main" xmlns:r="http://schemas.openxmlformats.org/officeDocument/2006/relationships" xmlns:p="http://schemas.openxmlformats.org/presentationml/2006/main">
+  <p:cSld>
+    <p:spTree>
+      <p:nvGrpSpPr>
+        <p:cNvPr id="1" name=""/>
+        <p:cNvGrpSpPr/>
+        <p:nvPr/>
+      </p:nvGrpSpPr>
+      <p:grpSpPr>
+        <a:xfrm>
+          <a:off x="0" y="0"/>
+          <a:ext cx="0" cy="0"/>
+          <a:chOff x="0" y="0"/>
+          <a:chExt cx="0" cy="0"/>
+        </a:xfrm>
+      </p:grpSpPr>
+      <p:sp>
+        <p:nvSpPr>
+          <p:cNvPr id="2" name="제목 1">
+            <a:extLst>
+              <a:ext uri="{FF2B5EF4-FFF2-40B4-BE49-F238E27FC236}">
+                <a16:creationId xmlns:a16="http://schemas.microsoft.com/office/drawing/2014/main" id="{3744E7F6-7201-4F32-B1DF-6ACAB6893DF3}"/>
+              </a:ext>
+            </a:extLst>
+          </p:cNvPr>
+          <p:cNvSpPr>
+            <a:spLocks noGrp="1"/>
+          </p:cNvSpPr>
+          <p:nvPr>
+            <p:ph type="title"/>
+          </p:nvPr>
+        </p:nvSpPr>
+        <p:spPr/>
+        <p:txBody>
+          <a:bodyPr/>
+          <a:lstStyle/>
+          <a:p>
+            <a:endParaRPr lang="ko-KR" altLang="en-US" dirty="0"/>
+          </a:p>
+        </p:txBody>
+      </p:sp>
+      <p:sp>
+        <p:nvSpPr>
+          <p:cNvPr id="24" name="내용 개체 틀 23">
+            <a:extLst>
+              <a:ext uri="{FF2B5EF4-FFF2-40B4-BE49-F238E27FC236}">
+                <a16:creationId xmlns:a16="http://schemas.microsoft.com/office/drawing/2014/main" id="{849254BB-3E0C-4C45-8999-DD0BDA8225BA}"/>
+              </a:ext>
+            </a:extLst>
+          </p:cNvPr>
+          <p:cNvSpPr>
+            <a:spLocks noGrp="1"/>
+          </p:cNvSpPr>
+          <p:nvPr>
+            <p:ph idx="1"/>
+          </p:nvPr>
+        </p:nvSpPr>
+        <p:spPr/>
+        <p:txBody>
+          <a:bodyPr/>
+          <a:lstStyle/>
+          <a:p>
+            <a:endParaRPr lang="ko-KR" altLang="en-US"/>
+          </a:p>
+        </p:txBody>
+      </p:sp>
+      <p:pic>
+        <p:nvPicPr>
+          <p:cNvPr id="34" name="그림 33">
+            <a:extLst>
+              <a:ext uri="{FF2B5EF4-FFF2-40B4-BE49-F238E27FC236}">
+                <a16:creationId xmlns:a16="http://schemas.microsoft.com/office/drawing/2014/main" id="{788C2BD0-1934-4A19-90BB-A7F10FDF5885}"/>
+              </a:ext>
+            </a:extLst>
+          </p:cNvPr>
+          <p:cNvPicPr>
+            <a:picLocks noChangeAspect="1"/>
+          </p:cNvPicPr>
+          <p:nvPr/>
+        </p:nvPicPr>
+        <p:blipFill>
+          <a:blip r:embed="rId2"/>
+          <a:stretch>
+            <a:fillRect/>
+          </a:stretch>
+        </p:blipFill>
+        <p:spPr>
+          <a:xfrm>
+            <a:off x="837744" y="1590896"/>
+            <a:ext cx="10516511" cy="3676207"/>
+          </a:xfrm>
+          <a:prstGeom prst="rect">
+            <a:avLst/>
+          </a:prstGeom>
+        </p:spPr>
+      </p:pic>
+    </p:spTree>
+    <p:extLst>
+      <p:ext uri="{BB962C8B-B14F-4D97-AF65-F5344CB8AC3E}">
+        <p14:creationId xmlns:p14="http://schemas.microsoft.com/office/powerpoint/2010/main" val="2542524960"/>
+      </p:ext>
+    </p:extLst>
+  </p:cSld>
+  <p:clrMapOvr>
+    <a:masterClrMapping/>
+  </p:clrMapOvr>
+</p:sld>
+</file>
+
+<file path=ppt/slides/slide15.xml><?xml version="1.0" encoding="utf-8"?>
+<p:sld xmlns:a="http://schemas.openxmlformats.org/drawingml/2006/main" xmlns:r="http://schemas.openxmlformats.org/officeDocument/2006/relationships" xmlns:p="http://schemas.openxmlformats.org/presentationml/2006/main">
+  <p:cSld>
+    <p:spTree>
+      <p:nvGrpSpPr>
+        <p:cNvPr id="1" name=""/>
+        <p:cNvGrpSpPr/>
+        <p:nvPr/>
+      </p:nvGrpSpPr>
+      <p:grpSpPr>
+        <a:xfrm>
+          <a:off x="0" y="0"/>
+          <a:ext cx="0" cy="0"/>
+          <a:chOff x="0" y="0"/>
+          <a:chExt cx="0" cy="0"/>
+        </a:xfrm>
+      </p:grpSpPr>
+      <p:grpSp>
+        <p:nvGrpSpPr>
+          <p:cNvPr id="28" name="그룹 27">
+            <a:extLst>
+              <a:ext uri="{FF2B5EF4-FFF2-40B4-BE49-F238E27FC236}">
+                <a16:creationId xmlns:a16="http://schemas.microsoft.com/office/drawing/2014/main" id="{28D646D7-4523-473D-9F71-DAE09E45BF98}"/>
+              </a:ext>
+            </a:extLst>
+          </p:cNvPr>
+          <p:cNvGrpSpPr/>
+          <p:nvPr/>
+        </p:nvGrpSpPr>
+        <p:grpSpPr>
+          <a:xfrm>
+            <a:off x="977901" y="990600"/>
+            <a:ext cx="6934200" cy="2376488"/>
+            <a:chOff x="977901" y="990600"/>
+            <a:chExt cx="6934200" cy="2376488"/>
+          </a:xfrm>
+        </p:grpSpPr>
+        <p:graphicFrame>
+          <p:nvGraphicFramePr>
+            <p:cNvPr id="27" name="Object 89">
+              <a:extLst>
+                <a:ext uri="{FF2B5EF4-FFF2-40B4-BE49-F238E27FC236}">
+                  <a16:creationId xmlns:a16="http://schemas.microsoft.com/office/drawing/2014/main" id="{892B7990-5B1E-4C27-963D-EA26573EF0F1}"/>
+                </a:ext>
+              </a:extLst>
+            </p:cNvPr>
+            <p:cNvGraphicFramePr>
+              <a:graphicFrameLocks noChangeAspect="1"/>
+            </p:cNvGraphicFramePr>
+            <p:nvPr>
+              <p:extLst>
+                <p:ext uri="{D42A27DB-BD31-4B8C-83A1-F6EECF244321}">
+                  <p14:modId xmlns:p14="http://schemas.microsoft.com/office/powerpoint/2010/main" val="4167984940"/>
+                </p:ext>
+              </p:extLst>
+            </p:nvPr>
+          </p:nvGraphicFramePr>
+          <p:xfrm>
+            <a:off x="3581401" y="990600"/>
+            <a:ext cx="3276600" cy="2376488"/>
+          </p:xfrm>
+          <a:graphic>
+            <a:graphicData uri="http://schemas.openxmlformats.org/presentationml/2006/ole">
+              <mc:AlternateContent xmlns:mc="http://schemas.openxmlformats.org/markup-compatibility/2006">
+                <mc:Choice xmlns:v="urn:schemas-microsoft-com:vml" Requires="v">
+                  <p:oleObj spid="_x0000_s1030" name="SPW 8.0 Graph" r:id="rId3" imgW="6665760" imgH="5367240" progId="SigmaPlotGraphicObject.7">
+                    <p:embed/>
+                  </p:oleObj>
+                </mc:Choice>
+                <mc:Fallback>
+                  <p:oleObj name="SPW 8.0 Graph" r:id="rId3" imgW="6665760" imgH="5367240" progId="SigmaPlotGraphicObject.7">
+                    <p:embed/>
+                    <p:pic>
+                      <p:nvPicPr>
+                        <p:cNvPr id="15405" name="Object 89">
+                          <a:extLst>
+                            <a:ext uri="{FF2B5EF4-FFF2-40B4-BE49-F238E27FC236}">
+                              <a16:creationId xmlns:a16="http://schemas.microsoft.com/office/drawing/2014/main" id="{4B2B508D-CFD3-4482-989D-FC25ED21A8A1}"/>
+                            </a:ext>
+                          </a:extLst>
+                        </p:cNvPr>
+                        <p:cNvPicPr>
+                          <a:picLocks noChangeAspect="1" noChangeArrowheads="1"/>
+                        </p:cNvPicPr>
+                        <p:nvPr/>
+                      </p:nvPicPr>
+                      <p:blipFill>
+                        <a:blip r:embed="rId4">
+                          <a:extLst>
+                            <a:ext uri="{28A0092B-C50C-407E-A947-70E740481C1C}">
+                              <a14:useLocalDpi xmlns:a14="http://schemas.microsoft.com/office/drawing/2010/main" val="0"/>
+                            </a:ext>
+                          </a:extLst>
+                        </a:blip>
+                        <a:srcRect/>
+                        <a:stretch>
+                          <a:fillRect/>
+                        </a:stretch>
+                      </p:blipFill>
+                      <p:spPr bwMode="auto">
+                        <a:xfrm>
+                          <a:off x="3581401" y="990600"/>
+                          <a:ext cx="3276600" cy="2376488"/>
+                        </a:xfrm>
+                        <a:prstGeom prst="rect">
+                          <a:avLst/>
+                        </a:prstGeom>
+                        <a:noFill/>
+                        <a:ln>
+                          <a:noFill/>
+                        </a:ln>
+                        <a:effectLst/>
+                        <a:extLst>
+                          <a:ext uri="{909E8E84-426E-40DD-AFC4-6F175D3DCCD1}">
+                            <a14:hiddenFill xmlns:a14="http://schemas.microsoft.com/office/drawing/2010/main">
+                              <a:solidFill>
+                                <a:schemeClr val="accent1"/>
+                              </a:solidFill>
+                            </a14:hiddenFill>
+                          </a:ext>
+                          <a:ext uri="{91240B29-F687-4F45-9708-019B960494DF}">
+                            <a14:hiddenLine xmlns:a14="http://schemas.microsoft.com/office/drawing/2010/main" w="9525">
+                              <a:solidFill>
+                                <a:schemeClr val="tx1"/>
+                              </a:solidFill>
+                              <a:miter lim="800000"/>
+                              <a:headEnd/>
+                              <a:tailEnd/>
+                            </a14:hiddenLine>
+                          </a:ext>
+                          <a:ext uri="{AF507438-7753-43E0-B8FC-AC1667EBCBE1}">
+                            <a14:hiddenEffects xmlns:a14="http://schemas.microsoft.com/office/drawing/2010/main">
+                              <a:effectLst>
+                                <a:outerShdw dist="35921" dir="2700000" algn="ctr" rotWithShape="0">
+                                  <a:schemeClr val="bg2"/>
+                                </a:outerShdw>
+                              </a:effectLst>
+                            </a14:hiddenEffects>
+                          </a:ext>
+                        </a:extLst>
+                      </p:spPr>
+                    </p:pic>
+                  </p:oleObj>
+                </mc:Fallback>
+              </mc:AlternateContent>
+            </a:graphicData>
+          </a:graphic>
+        </p:graphicFrame>
+        <p:sp>
+          <p:nvSpPr>
+            <p:cNvPr id="4" name="Line 90">
+              <a:extLst>
+                <a:ext uri="{FF2B5EF4-FFF2-40B4-BE49-F238E27FC236}">
+                  <a16:creationId xmlns:a16="http://schemas.microsoft.com/office/drawing/2014/main" id="{35D5A49C-9079-4022-A8FC-6D33489A5629}"/>
+                </a:ext>
+              </a:extLst>
+            </p:cNvPr>
+            <p:cNvSpPr>
+              <a:spLocks noChangeShapeType="1"/>
+            </p:cNvSpPr>
+            <p:nvPr/>
+          </p:nvSpPr>
+          <p:spPr bwMode="auto">
+            <a:xfrm>
+              <a:off x="3984475" y="1508416"/>
+              <a:ext cx="1835069" cy="0"/>
+            </a:xfrm>
+            <a:prstGeom prst="line">
+              <a:avLst/>
+            </a:prstGeom>
+            <a:noFill/>
+            <a:ln w="9525">
+              <a:solidFill>
+                <a:schemeClr val="tx1"/>
+              </a:solidFill>
+              <a:round/>
+              <a:headEnd/>
+              <a:tailEnd/>
+            </a:ln>
+            <a:effectLst/>
+            <a:extLst>
+              <a:ext uri="{909E8E84-426E-40DD-AFC4-6F175D3DCCD1}">
+                <a14:hiddenFill xmlns:a14="http://schemas.microsoft.com/office/drawing/2010/main">
+                  <a:noFill/>
+                </a14:hiddenFill>
+              </a:ext>
+              <a:ext uri="{AF507438-7753-43E0-B8FC-AC1667EBCBE1}">
+                <a14:hiddenEffects xmlns:a14="http://schemas.microsoft.com/office/drawing/2010/main">
+                  <a:effectLst>
+                    <a:outerShdw dist="35921" dir="2700000" algn="ctr" rotWithShape="0">
+                      <a:schemeClr val="bg2"/>
+                    </a:outerShdw>
+                  </a:effectLst>
+                </a14:hiddenEffects>
+              </a:ext>
+            </a:extLst>
+          </p:spPr>
+          <p:txBody>
+            <a:bodyPr/>
+            <a:lstStyle/>
+            <a:p>
+              <a:endParaRPr lang="ko-KR" altLang="en-US"/>
+            </a:p>
+          </p:txBody>
+        </p:sp>
+        <p:sp>
+          <p:nvSpPr>
+            <p:cNvPr id="5" name="Line 91">
+              <a:extLst>
+                <a:ext uri="{FF2B5EF4-FFF2-40B4-BE49-F238E27FC236}">
+                  <a16:creationId xmlns:a16="http://schemas.microsoft.com/office/drawing/2014/main" id="{D95F3567-AF48-4D4D-B5A1-EACD4351599B}"/>
+                </a:ext>
+              </a:extLst>
+            </p:cNvPr>
+            <p:cNvSpPr>
+              <a:spLocks noChangeShapeType="1"/>
+            </p:cNvSpPr>
+            <p:nvPr/>
+          </p:nvSpPr>
+          <p:spPr bwMode="auto">
+            <a:xfrm>
+              <a:off x="3984475" y="1744547"/>
+              <a:ext cx="1835069" cy="0"/>
+            </a:xfrm>
+            <a:prstGeom prst="line">
+              <a:avLst/>
+            </a:prstGeom>
+            <a:noFill/>
+            <a:ln w="9525">
+              <a:solidFill>
+                <a:schemeClr val="tx1"/>
+              </a:solidFill>
+              <a:round/>
+              <a:headEnd/>
+              <a:tailEnd/>
+            </a:ln>
+            <a:effectLst/>
+            <a:extLst>
+              <a:ext uri="{909E8E84-426E-40DD-AFC4-6F175D3DCCD1}">
+                <a14:hiddenFill xmlns:a14="http://schemas.microsoft.com/office/drawing/2010/main">
+                  <a:noFill/>
+                </a14:hiddenFill>
+              </a:ext>
+              <a:ext uri="{AF507438-7753-43E0-B8FC-AC1667EBCBE1}">
+                <a14:hiddenEffects xmlns:a14="http://schemas.microsoft.com/office/drawing/2010/main">
+                  <a:effectLst>
+                    <a:outerShdw dist="35921" dir="2700000" algn="ctr" rotWithShape="0">
+                      <a:schemeClr val="bg2"/>
+                    </a:outerShdw>
+                  </a:effectLst>
+                </a14:hiddenEffects>
+              </a:ext>
+            </a:extLst>
+          </p:spPr>
+          <p:txBody>
+            <a:bodyPr/>
+            <a:lstStyle/>
+            <a:p>
+              <a:endParaRPr lang="ko-KR" altLang="en-US"/>
+            </a:p>
+          </p:txBody>
+        </p:sp>
+        <p:sp>
+          <p:nvSpPr>
+            <p:cNvPr id="6" name="Line 92">
+              <a:extLst>
+                <a:ext uri="{FF2B5EF4-FFF2-40B4-BE49-F238E27FC236}">
+                  <a16:creationId xmlns:a16="http://schemas.microsoft.com/office/drawing/2014/main" id="{6EDF0B17-2C95-4209-9026-BAA29C6C32B0}"/>
+                </a:ext>
+              </a:extLst>
+            </p:cNvPr>
+            <p:cNvSpPr>
+              <a:spLocks noChangeShapeType="1"/>
+            </p:cNvSpPr>
+            <p:nvPr/>
+          </p:nvSpPr>
+          <p:spPr bwMode="auto">
+            <a:xfrm>
+              <a:off x="3993143" y="1976880"/>
+              <a:ext cx="1835936" cy="0"/>
+            </a:xfrm>
+            <a:prstGeom prst="line">
+              <a:avLst/>
+            </a:prstGeom>
+            <a:noFill/>
+            <a:ln w="9525">
+              <a:solidFill>
+                <a:schemeClr val="tx1"/>
+              </a:solidFill>
+              <a:round/>
+              <a:headEnd/>
+              <a:tailEnd/>
+            </a:ln>
+            <a:effectLst/>
+            <a:extLst>
+              <a:ext uri="{909E8E84-426E-40DD-AFC4-6F175D3DCCD1}">
+                <a14:hiddenFill xmlns:a14="http://schemas.microsoft.com/office/drawing/2010/main">
+                  <a:noFill/>
+                </a14:hiddenFill>
+              </a:ext>
+              <a:ext uri="{AF507438-7753-43E0-B8FC-AC1667EBCBE1}">
+                <a14:hiddenEffects xmlns:a14="http://schemas.microsoft.com/office/drawing/2010/main">
+                  <a:effectLst>
+                    <a:outerShdw dist="35921" dir="2700000" algn="ctr" rotWithShape="0">
+                      <a:schemeClr val="bg2"/>
+                    </a:outerShdw>
+                  </a:effectLst>
+                </a14:hiddenEffects>
+              </a:ext>
+            </a:extLst>
+          </p:spPr>
+          <p:txBody>
+            <a:bodyPr/>
+            <a:lstStyle/>
+            <a:p>
+              <a:endParaRPr lang="ko-KR" altLang="en-US"/>
+            </a:p>
+          </p:txBody>
+        </p:sp>
+        <p:sp>
+          <p:nvSpPr>
+            <p:cNvPr id="7" name="Line 93">
+              <a:extLst>
+                <a:ext uri="{FF2B5EF4-FFF2-40B4-BE49-F238E27FC236}">
+                  <a16:creationId xmlns:a16="http://schemas.microsoft.com/office/drawing/2014/main" id="{D2AC83AC-7FCA-48CF-8D4F-A57CF0194743}"/>
+                </a:ext>
+              </a:extLst>
+            </p:cNvPr>
+            <p:cNvSpPr>
+              <a:spLocks noChangeShapeType="1"/>
+            </p:cNvSpPr>
+            <p:nvPr/>
+          </p:nvSpPr>
+          <p:spPr bwMode="auto">
+            <a:xfrm>
+              <a:off x="4002678" y="2213011"/>
+              <a:ext cx="1835069" cy="0"/>
+            </a:xfrm>
+            <a:prstGeom prst="line">
+              <a:avLst/>
+            </a:prstGeom>
+            <a:noFill/>
+            <a:ln w="9525">
+              <a:solidFill>
+                <a:schemeClr val="tx1"/>
+              </a:solidFill>
+              <a:round/>
+              <a:headEnd/>
+              <a:tailEnd/>
+            </a:ln>
+            <a:effectLst/>
+            <a:extLst>
+              <a:ext uri="{909E8E84-426E-40DD-AFC4-6F175D3DCCD1}">
+                <a14:hiddenFill xmlns:a14="http://schemas.microsoft.com/office/drawing/2010/main">
+                  <a:noFill/>
+                </a14:hiddenFill>
+              </a:ext>
+              <a:ext uri="{AF507438-7753-43E0-B8FC-AC1667EBCBE1}">
+                <a14:hiddenEffects xmlns:a14="http://schemas.microsoft.com/office/drawing/2010/main">
+                  <a:effectLst>
+                    <a:outerShdw dist="35921" dir="2700000" algn="ctr" rotWithShape="0">
+                      <a:schemeClr val="bg2"/>
+                    </a:outerShdw>
+                  </a:effectLst>
+                </a14:hiddenEffects>
+              </a:ext>
+            </a:extLst>
+          </p:spPr>
+          <p:txBody>
+            <a:bodyPr/>
+            <a:lstStyle/>
+            <a:p>
+              <a:endParaRPr lang="ko-KR" altLang="en-US"/>
+            </a:p>
+          </p:txBody>
+        </p:sp>
+        <p:sp>
+          <p:nvSpPr>
+            <p:cNvPr id="8" name="Line 94">
+              <a:extLst>
+                <a:ext uri="{FF2B5EF4-FFF2-40B4-BE49-F238E27FC236}">
+                  <a16:creationId xmlns:a16="http://schemas.microsoft.com/office/drawing/2014/main" id="{0A056F9D-EAFD-4EAC-88BF-B425A65F8858}"/>
+                </a:ext>
+              </a:extLst>
+            </p:cNvPr>
+            <p:cNvSpPr>
+              <a:spLocks noChangeShapeType="1"/>
+            </p:cNvSpPr>
+            <p:nvPr/>
+          </p:nvSpPr>
+          <p:spPr bwMode="auto">
+            <a:xfrm>
+              <a:off x="4002678" y="2444585"/>
+              <a:ext cx="1835069" cy="0"/>
+            </a:xfrm>
+            <a:prstGeom prst="line">
+              <a:avLst/>
+            </a:prstGeom>
+            <a:noFill/>
+            <a:ln w="9525">
+              <a:solidFill>
+                <a:schemeClr val="tx1"/>
+              </a:solidFill>
+              <a:round/>
+              <a:headEnd/>
+              <a:tailEnd/>
+            </a:ln>
+            <a:effectLst/>
+            <a:extLst>
+              <a:ext uri="{909E8E84-426E-40DD-AFC4-6F175D3DCCD1}">
+                <a14:hiddenFill xmlns:a14="http://schemas.microsoft.com/office/drawing/2010/main">
+                  <a:noFill/>
+                </a14:hiddenFill>
+              </a:ext>
+              <a:ext uri="{AF507438-7753-43E0-B8FC-AC1667EBCBE1}">
+                <a14:hiddenEffects xmlns:a14="http://schemas.microsoft.com/office/drawing/2010/main">
+                  <a:effectLst>
+                    <a:outerShdw dist="35921" dir="2700000" algn="ctr" rotWithShape="0">
+                      <a:schemeClr val="bg2"/>
+                    </a:outerShdw>
+                  </a:effectLst>
+                </a14:hiddenEffects>
+              </a:ext>
+            </a:extLst>
+          </p:spPr>
+          <p:txBody>
+            <a:bodyPr/>
+            <a:lstStyle/>
+            <a:p>
+              <a:endParaRPr lang="ko-KR" altLang="en-US"/>
+            </a:p>
+          </p:txBody>
+        </p:sp>
+        <p:sp>
+          <p:nvSpPr>
+            <p:cNvPr id="9" name="Line 95">
+              <a:extLst>
+                <a:ext uri="{FF2B5EF4-FFF2-40B4-BE49-F238E27FC236}">
+                  <a16:creationId xmlns:a16="http://schemas.microsoft.com/office/drawing/2014/main" id="{12978A1A-2ACC-45E1-88F9-9749695A22A3}"/>
+                </a:ext>
+              </a:extLst>
+            </p:cNvPr>
+            <p:cNvSpPr>
+              <a:spLocks noChangeShapeType="1"/>
+            </p:cNvSpPr>
+            <p:nvPr/>
+          </p:nvSpPr>
+          <p:spPr bwMode="auto">
+            <a:xfrm>
+              <a:off x="4002678" y="2680716"/>
+              <a:ext cx="1835069" cy="0"/>
+            </a:xfrm>
+            <a:prstGeom prst="line">
+              <a:avLst/>
+            </a:prstGeom>
+            <a:noFill/>
+            <a:ln w="9525">
+              <a:solidFill>
+                <a:schemeClr val="tx1"/>
+              </a:solidFill>
+              <a:round/>
+              <a:headEnd/>
+              <a:tailEnd/>
+            </a:ln>
+            <a:effectLst/>
+            <a:extLst>
+              <a:ext uri="{909E8E84-426E-40DD-AFC4-6F175D3DCCD1}">
+                <a14:hiddenFill xmlns:a14="http://schemas.microsoft.com/office/drawing/2010/main">
+                  <a:noFill/>
+                </a14:hiddenFill>
+              </a:ext>
+              <a:ext uri="{AF507438-7753-43E0-B8FC-AC1667EBCBE1}">
+                <a14:hiddenEffects xmlns:a14="http://schemas.microsoft.com/office/drawing/2010/main">
+                  <a:effectLst>
+                    <a:outerShdw dist="35921" dir="2700000" algn="ctr" rotWithShape="0">
+                      <a:schemeClr val="bg2"/>
+                    </a:outerShdw>
+                  </a:effectLst>
+                </a14:hiddenEffects>
+              </a:ext>
+            </a:extLst>
+          </p:spPr>
+          <p:txBody>
+            <a:bodyPr/>
+            <a:lstStyle/>
+            <a:p>
+              <a:endParaRPr lang="ko-KR" altLang="en-US"/>
+            </a:p>
+          </p:txBody>
+        </p:sp>
+        <p:sp>
+          <p:nvSpPr>
+            <p:cNvPr id="10" name="Line 96">
+              <a:extLst>
+                <a:ext uri="{FF2B5EF4-FFF2-40B4-BE49-F238E27FC236}">
+                  <a16:creationId xmlns:a16="http://schemas.microsoft.com/office/drawing/2014/main" id="{2A0565ED-C6F7-4646-962C-2BEA578B1E0E}"/>
+                </a:ext>
+              </a:extLst>
+            </p:cNvPr>
+            <p:cNvSpPr>
+              <a:spLocks noChangeShapeType="1"/>
+            </p:cNvSpPr>
+            <p:nvPr/>
+          </p:nvSpPr>
+          <p:spPr bwMode="auto">
+            <a:xfrm rot="16200000">
+              <a:off x="4224647" y="2095325"/>
+              <a:ext cx="1652912" cy="0"/>
+            </a:xfrm>
+            <a:prstGeom prst="line">
+              <a:avLst/>
+            </a:prstGeom>
+            <a:noFill/>
+            <a:ln w="9525">
+              <a:solidFill>
+                <a:schemeClr val="tx1"/>
+              </a:solidFill>
+              <a:round/>
+              <a:headEnd/>
+              <a:tailEnd/>
+            </a:ln>
+            <a:effectLst/>
+            <a:extLst>
+              <a:ext uri="{909E8E84-426E-40DD-AFC4-6F175D3DCCD1}">
+                <a14:hiddenFill xmlns:a14="http://schemas.microsoft.com/office/drawing/2010/main">
+                  <a:noFill/>
+                </a14:hiddenFill>
+              </a:ext>
+              <a:ext uri="{AF507438-7753-43E0-B8FC-AC1667EBCBE1}">
+                <a14:hiddenEffects xmlns:a14="http://schemas.microsoft.com/office/drawing/2010/main">
+                  <a:effectLst>
+                    <a:outerShdw dist="35921" dir="2700000" algn="ctr" rotWithShape="0">
+                      <a:schemeClr val="bg2"/>
+                    </a:outerShdw>
+                  </a:effectLst>
+                </a14:hiddenEffects>
+              </a:ext>
+            </a:extLst>
+          </p:spPr>
+          <p:txBody>
+            <a:bodyPr/>
+            <a:lstStyle/>
+            <a:p>
+              <a:endParaRPr lang="ko-KR" altLang="en-US"/>
+            </a:p>
+          </p:txBody>
+        </p:sp>
+        <p:sp>
+          <p:nvSpPr>
+            <p:cNvPr id="11" name="Line 97">
+              <a:extLst>
+                <a:ext uri="{FF2B5EF4-FFF2-40B4-BE49-F238E27FC236}">
+                  <a16:creationId xmlns:a16="http://schemas.microsoft.com/office/drawing/2014/main" id="{BDD1F640-A4E5-4F34-B0C7-1CE937267A32}"/>
+                </a:ext>
+              </a:extLst>
+            </p:cNvPr>
+            <p:cNvSpPr>
+              <a:spLocks noChangeShapeType="1"/>
+            </p:cNvSpPr>
+            <p:nvPr/>
+          </p:nvSpPr>
+          <p:spPr bwMode="auto">
+            <a:xfrm rot="16200000">
+              <a:off x="4486429" y="2095325"/>
+              <a:ext cx="1652912" cy="0"/>
+            </a:xfrm>
+            <a:prstGeom prst="line">
+              <a:avLst/>
+            </a:prstGeom>
+            <a:noFill/>
+            <a:ln w="9525">
+              <a:solidFill>
+                <a:schemeClr val="tx1"/>
+              </a:solidFill>
+              <a:round/>
+              <a:headEnd/>
+              <a:tailEnd/>
+            </a:ln>
+            <a:effectLst/>
+            <a:extLst>
+              <a:ext uri="{909E8E84-426E-40DD-AFC4-6F175D3DCCD1}">
+                <a14:hiddenFill xmlns:a14="http://schemas.microsoft.com/office/drawing/2010/main">
+                  <a:noFill/>
+                </a14:hiddenFill>
+              </a:ext>
+              <a:ext uri="{AF507438-7753-43E0-B8FC-AC1667EBCBE1}">
+                <a14:hiddenEffects xmlns:a14="http://schemas.microsoft.com/office/drawing/2010/main">
+                  <a:effectLst>
+                    <a:outerShdw dist="35921" dir="2700000" algn="ctr" rotWithShape="0">
+                      <a:schemeClr val="bg2"/>
+                    </a:outerShdw>
+                  </a:effectLst>
+                </a14:hiddenEffects>
+              </a:ext>
+            </a:extLst>
+          </p:spPr>
+          <p:txBody>
+            <a:bodyPr/>
+            <a:lstStyle/>
+            <a:p>
+              <a:endParaRPr lang="ko-KR" altLang="en-US"/>
+            </a:p>
+          </p:txBody>
+        </p:sp>
+        <p:sp>
+          <p:nvSpPr>
+            <p:cNvPr id="12" name="Line 98">
+              <a:extLst>
+                <a:ext uri="{FF2B5EF4-FFF2-40B4-BE49-F238E27FC236}">
+                  <a16:creationId xmlns:a16="http://schemas.microsoft.com/office/drawing/2014/main" id="{DD82EDB7-81D4-4253-9D37-5A5C2FA0DF46}"/>
+                </a:ext>
+              </a:extLst>
+            </p:cNvPr>
+            <p:cNvSpPr>
+              <a:spLocks noChangeShapeType="1"/>
+            </p:cNvSpPr>
+            <p:nvPr/>
+          </p:nvSpPr>
+          <p:spPr bwMode="auto">
+            <a:xfrm rot="16200000">
+              <a:off x="4744743" y="2095325"/>
+              <a:ext cx="1652912" cy="0"/>
+            </a:xfrm>
+            <a:prstGeom prst="line">
+              <a:avLst/>
+            </a:prstGeom>
+            <a:noFill/>
+            <a:ln w="9525">
+              <a:solidFill>
+                <a:schemeClr val="tx1"/>
+              </a:solidFill>
+              <a:round/>
+              <a:headEnd/>
+              <a:tailEnd/>
+            </a:ln>
+            <a:effectLst/>
+            <a:extLst>
+              <a:ext uri="{909E8E84-426E-40DD-AFC4-6F175D3DCCD1}">
+                <a14:hiddenFill xmlns:a14="http://schemas.microsoft.com/office/drawing/2010/main">
+                  <a:noFill/>
+                </a14:hiddenFill>
+              </a:ext>
+              <a:ext uri="{AF507438-7753-43E0-B8FC-AC1667EBCBE1}">
+                <a14:hiddenEffects xmlns:a14="http://schemas.microsoft.com/office/drawing/2010/main">
+                  <a:effectLst>
+                    <a:outerShdw dist="35921" dir="2700000" algn="ctr" rotWithShape="0">
+                      <a:schemeClr val="bg2"/>
+                    </a:outerShdw>
+                  </a:effectLst>
+                </a14:hiddenEffects>
+              </a:ext>
+            </a:extLst>
+          </p:spPr>
+          <p:txBody>
+            <a:bodyPr/>
+            <a:lstStyle/>
+            <a:p>
+              <a:endParaRPr lang="ko-KR" altLang="en-US"/>
+            </a:p>
+          </p:txBody>
+        </p:sp>
+        <p:sp>
+          <p:nvSpPr>
+            <p:cNvPr id="13" name="Line 99">
+              <a:extLst>
+                <a:ext uri="{FF2B5EF4-FFF2-40B4-BE49-F238E27FC236}">
+                  <a16:creationId xmlns:a16="http://schemas.microsoft.com/office/drawing/2014/main" id="{A4FF14FE-5172-4512-8F74-575D8C00F5CF}"/>
+                </a:ext>
+              </a:extLst>
+            </p:cNvPr>
+            <p:cNvSpPr>
+              <a:spLocks noChangeShapeType="1"/>
+            </p:cNvSpPr>
+            <p:nvPr/>
+          </p:nvSpPr>
+          <p:spPr bwMode="auto">
+            <a:xfrm rot="16200000">
+              <a:off x="3957665" y="2095325"/>
+              <a:ext cx="1652912" cy="0"/>
+            </a:xfrm>
+            <a:prstGeom prst="line">
+              <a:avLst/>
+            </a:prstGeom>
+            <a:noFill/>
+            <a:ln w="9525">
+              <a:solidFill>
+                <a:schemeClr val="tx1"/>
+              </a:solidFill>
+              <a:round/>
+              <a:headEnd/>
+              <a:tailEnd/>
+            </a:ln>
+            <a:effectLst/>
+            <a:extLst>
+              <a:ext uri="{909E8E84-426E-40DD-AFC4-6F175D3DCCD1}">
+                <a14:hiddenFill xmlns:a14="http://schemas.microsoft.com/office/drawing/2010/main">
+                  <a:noFill/>
+                </a14:hiddenFill>
+              </a:ext>
+              <a:ext uri="{AF507438-7753-43E0-B8FC-AC1667EBCBE1}">
+                <a14:hiddenEffects xmlns:a14="http://schemas.microsoft.com/office/drawing/2010/main">
+                  <a:effectLst>
+                    <a:outerShdw dist="35921" dir="2700000" algn="ctr" rotWithShape="0">
+                      <a:schemeClr val="bg2"/>
+                    </a:outerShdw>
+                  </a:effectLst>
+                </a14:hiddenEffects>
+              </a:ext>
+            </a:extLst>
+          </p:spPr>
+          <p:txBody>
+            <a:bodyPr/>
+            <a:lstStyle/>
+            <a:p>
+              <a:endParaRPr lang="ko-KR" altLang="en-US"/>
+            </a:p>
+          </p:txBody>
+        </p:sp>
+        <p:sp>
+          <p:nvSpPr>
+            <p:cNvPr id="14" name="Line 100">
+              <a:extLst>
+                <a:ext uri="{FF2B5EF4-FFF2-40B4-BE49-F238E27FC236}">
+                  <a16:creationId xmlns:a16="http://schemas.microsoft.com/office/drawing/2014/main" id="{4788B4B1-8458-4CB3-9F72-1F300F551C24}"/>
+                </a:ext>
+              </a:extLst>
+            </p:cNvPr>
+            <p:cNvSpPr>
+              <a:spLocks noChangeShapeType="1"/>
+            </p:cNvSpPr>
+            <p:nvPr/>
+          </p:nvSpPr>
+          <p:spPr bwMode="auto">
+            <a:xfrm rot="16200000">
+              <a:off x="3700218" y="2095325"/>
+              <a:ext cx="1652912" cy="0"/>
+            </a:xfrm>
+            <a:prstGeom prst="line">
+              <a:avLst/>
+            </a:prstGeom>
+            <a:noFill/>
+            <a:ln w="9525">
+              <a:solidFill>
+                <a:schemeClr val="tx1"/>
+              </a:solidFill>
+              <a:round/>
+              <a:headEnd/>
+              <a:tailEnd/>
+            </a:ln>
+            <a:effectLst/>
+            <a:extLst>
+              <a:ext uri="{909E8E84-426E-40DD-AFC4-6F175D3DCCD1}">
+                <a14:hiddenFill xmlns:a14="http://schemas.microsoft.com/office/drawing/2010/main">
+                  <a:noFill/>
+                </a14:hiddenFill>
+              </a:ext>
+              <a:ext uri="{AF507438-7753-43E0-B8FC-AC1667EBCBE1}">
+                <a14:hiddenEffects xmlns:a14="http://schemas.microsoft.com/office/drawing/2010/main">
+                  <a:effectLst>
+                    <a:outerShdw dist="35921" dir="2700000" algn="ctr" rotWithShape="0">
+                      <a:schemeClr val="bg2"/>
+                    </a:outerShdw>
+                  </a:effectLst>
+                </a14:hiddenEffects>
+              </a:ext>
+            </a:extLst>
+          </p:spPr>
+          <p:txBody>
+            <a:bodyPr/>
+            <a:lstStyle/>
+            <a:p>
+              <a:endParaRPr lang="ko-KR" altLang="en-US"/>
+            </a:p>
+          </p:txBody>
+        </p:sp>
+        <p:sp>
+          <p:nvSpPr>
+            <p:cNvPr id="15" name="Line 101">
+              <a:extLst>
+                <a:ext uri="{FF2B5EF4-FFF2-40B4-BE49-F238E27FC236}">
+                  <a16:creationId xmlns:a16="http://schemas.microsoft.com/office/drawing/2014/main" id="{EEC490DE-4862-4FE1-B51F-0163D38DB84A}"/>
+                </a:ext>
+              </a:extLst>
+            </p:cNvPr>
+            <p:cNvSpPr>
+              <a:spLocks noChangeShapeType="1"/>
+            </p:cNvSpPr>
+            <p:nvPr/>
+          </p:nvSpPr>
+          <p:spPr bwMode="auto">
+            <a:xfrm rot="16200000">
+              <a:off x="3442771" y="2095325"/>
+              <a:ext cx="1652912" cy="0"/>
+            </a:xfrm>
+            <a:prstGeom prst="line">
+              <a:avLst/>
+            </a:prstGeom>
+            <a:noFill/>
+            <a:ln w="9525">
+              <a:solidFill>
+                <a:schemeClr val="tx1"/>
+              </a:solidFill>
+              <a:round/>
+              <a:headEnd/>
+              <a:tailEnd/>
+            </a:ln>
+            <a:effectLst/>
+            <a:extLst>
+              <a:ext uri="{909E8E84-426E-40DD-AFC4-6F175D3DCCD1}">
+                <a14:hiddenFill xmlns:a14="http://schemas.microsoft.com/office/drawing/2010/main">
+                  <a:noFill/>
+                </a14:hiddenFill>
+              </a:ext>
+              <a:ext uri="{AF507438-7753-43E0-B8FC-AC1667EBCBE1}">
+                <a14:hiddenEffects xmlns:a14="http://schemas.microsoft.com/office/drawing/2010/main">
+                  <a:effectLst>
+                    <a:outerShdw dist="35921" dir="2700000" algn="ctr" rotWithShape="0">
+                      <a:schemeClr val="bg2"/>
+                    </a:outerShdw>
+                  </a:effectLst>
+                </a14:hiddenEffects>
+              </a:ext>
+            </a:extLst>
+          </p:spPr>
+          <p:txBody>
+            <a:bodyPr/>
+            <a:lstStyle/>
+            <a:p>
+              <a:endParaRPr lang="ko-KR" altLang="en-US"/>
+            </a:p>
+          </p:txBody>
+        </p:sp>
+        <p:sp>
+          <p:nvSpPr>
+            <p:cNvPr id="16" name="Line 38">
+              <a:extLst>
+                <a:ext uri="{FF2B5EF4-FFF2-40B4-BE49-F238E27FC236}">
+                  <a16:creationId xmlns:a16="http://schemas.microsoft.com/office/drawing/2014/main" id="{0DB6359A-9D5F-44C6-A250-EAE4C3F793E9}"/>
+                </a:ext>
+              </a:extLst>
+            </p:cNvPr>
+            <p:cNvSpPr>
+              <a:spLocks noChangeShapeType="1"/>
+            </p:cNvSpPr>
+            <p:nvPr/>
+          </p:nvSpPr>
+          <p:spPr bwMode="auto">
+            <a:xfrm rot="5400000">
+              <a:off x="2917826" y="2163763"/>
+              <a:ext cx="1576388" cy="0"/>
+            </a:xfrm>
+            <a:prstGeom prst="line">
+              <a:avLst/>
+            </a:prstGeom>
+            <a:noFill/>
+            <a:ln w="9525">
+              <a:solidFill>
+                <a:schemeClr val="tx1"/>
+              </a:solidFill>
+              <a:round/>
+              <a:headEnd/>
+              <a:tailEnd/>
+            </a:ln>
+            <a:effectLst/>
+            <a:extLst>
+              <a:ext uri="{909E8E84-426E-40DD-AFC4-6F175D3DCCD1}">
+                <a14:hiddenFill xmlns:a14="http://schemas.microsoft.com/office/drawing/2010/main">
+                  <a:noFill/>
+                </a14:hiddenFill>
+              </a:ext>
+              <a:ext uri="{AF507438-7753-43E0-B8FC-AC1667EBCBE1}">
+                <a14:hiddenEffects xmlns:a14="http://schemas.microsoft.com/office/drawing/2010/main">
+                  <a:effectLst>
+                    <a:outerShdw dist="35921" dir="2700000" algn="ctr" rotWithShape="0">
+                      <a:schemeClr val="bg2"/>
+                    </a:outerShdw>
+                  </a:effectLst>
+                </a14:hiddenEffects>
+              </a:ext>
+            </a:extLst>
+          </p:spPr>
+          <p:txBody>
+            <a:bodyPr/>
+            <a:lstStyle/>
+            <a:p>
+              <a:endParaRPr lang="ko-KR" altLang="en-US"/>
+            </a:p>
+          </p:txBody>
+        </p:sp>
+        <p:graphicFrame>
+          <p:nvGraphicFramePr>
+            <p:cNvPr id="17" name="Object 32">
+              <a:extLst>
+                <a:ext uri="{FF2B5EF4-FFF2-40B4-BE49-F238E27FC236}">
+                  <a16:creationId xmlns:a16="http://schemas.microsoft.com/office/drawing/2014/main" id="{71149C32-80E0-4678-9D0D-116D3244FB41}"/>
+                </a:ext>
+              </a:extLst>
+            </p:cNvPr>
+            <p:cNvGraphicFramePr>
+              <a:graphicFrameLocks noChangeAspect="1"/>
+            </p:cNvGraphicFramePr>
+            <p:nvPr>
+              <p:extLst>
+                <p:ext uri="{D42A27DB-BD31-4B8C-83A1-F6EECF244321}">
+                  <p14:modId xmlns:p14="http://schemas.microsoft.com/office/powerpoint/2010/main" val="3018209523"/>
+                </p:ext>
+              </p:extLst>
+            </p:nvPr>
+          </p:nvGraphicFramePr>
+          <p:xfrm>
+            <a:off x="1663701" y="1309688"/>
+            <a:ext cx="1936750" cy="1716088"/>
+          </p:xfrm>
+          <a:graphic>
+            <a:graphicData uri="http://schemas.openxmlformats.org/presentationml/2006/ole">
+              <mc:AlternateContent xmlns:mc="http://schemas.openxmlformats.org/markup-compatibility/2006">
+                <mc:Choice xmlns:v="urn:schemas-microsoft-com:vml" Requires="v">
+                  <p:oleObj spid="_x0000_s1031" name="Image" r:id="rId5" imgW="2996825" imgH="2882540" progId="Photoshop.Image.6">
+                    <p:embed/>
+                  </p:oleObj>
+                </mc:Choice>
+                <mc:Fallback>
+                  <p:oleObj name="Image" r:id="rId5" imgW="2996825" imgH="2882540" progId="Photoshop.Image.6">
+                    <p:embed/>
+                    <p:pic>
+                      <p:nvPicPr>
+                        <p:cNvPr id="15372" name="Object 32">
+                          <a:extLst>
+                            <a:ext uri="{FF2B5EF4-FFF2-40B4-BE49-F238E27FC236}">
+                              <a16:creationId xmlns:a16="http://schemas.microsoft.com/office/drawing/2014/main" id="{833C18D2-6588-4E5B-BD03-43B491CB7DF3}"/>
+                            </a:ext>
+                          </a:extLst>
+                        </p:cNvPr>
+                        <p:cNvPicPr>
+                          <a:picLocks noChangeAspect="1" noChangeArrowheads="1"/>
+                        </p:cNvPicPr>
+                        <p:nvPr/>
+                      </p:nvPicPr>
+                      <p:blipFill>
+                        <a:blip r:embed="rId6">
+                          <a:extLst>
+                            <a:ext uri="{28A0092B-C50C-407E-A947-70E740481C1C}">
+                              <a14:useLocalDpi xmlns:a14="http://schemas.microsoft.com/office/drawing/2010/main" val="0"/>
+                            </a:ext>
+                          </a:extLst>
+                        </a:blip>
+                        <a:srcRect/>
+                        <a:stretch>
+                          <a:fillRect/>
+                        </a:stretch>
+                      </p:blipFill>
+                      <p:spPr bwMode="auto">
+                        <a:xfrm>
+                          <a:off x="1663701" y="1309688"/>
+                          <a:ext cx="1936750" cy="1716088"/>
+                        </a:xfrm>
+                        <a:prstGeom prst="rect">
+                          <a:avLst/>
+                        </a:prstGeom>
+                        <a:noFill/>
+                        <a:ln>
+                          <a:noFill/>
+                        </a:ln>
+                        <a:effectLst/>
+                        <a:extLst>
+                          <a:ext uri="{909E8E84-426E-40DD-AFC4-6F175D3DCCD1}">
+                            <a14:hiddenFill xmlns:a14="http://schemas.microsoft.com/office/drawing/2010/main">
+                              <a:solidFill>
+                                <a:schemeClr val="accent1"/>
+                              </a:solidFill>
+                            </a14:hiddenFill>
+                          </a:ext>
+                          <a:ext uri="{91240B29-F687-4F45-9708-019B960494DF}">
+                            <a14:hiddenLine xmlns:a14="http://schemas.microsoft.com/office/drawing/2010/main" w="9525">
+                              <a:solidFill>
+                                <a:schemeClr val="tx1"/>
+                              </a:solidFill>
+                              <a:miter lim="800000"/>
+                              <a:headEnd/>
+                              <a:tailEnd/>
+                            </a14:hiddenLine>
+                          </a:ext>
+                          <a:ext uri="{AF507438-7753-43E0-B8FC-AC1667EBCBE1}">
+                            <a14:hiddenEffects xmlns:a14="http://schemas.microsoft.com/office/drawing/2010/main">
+                              <a:effectLst>
+                                <a:outerShdw dist="35921" dir="2700000" algn="ctr" rotWithShape="0">
+                                  <a:schemeClr val="bg2"/>
+                                </a:outerShdw>
+                              </a:effectLst>
+                            </a14:hiddenEffects>
+                          </a:ext>
+                        </a:extLst>
+                      </p:spPr>
+                    </p:pic>
+                  </p:oleObj>
+                </mc:Fallback>
+              </mc:AlternateContent>
+            </a:graphicData>
+          </a:graphic>
+        </p:graphicFrame>
+        <p:sp>
+          <p:nvSpPr>
+            <p:cNvPr id="18" name="Line 37">
+              <a:extLst>
+                <a:ext uri="{FF2B5EF4-FFF2-40B4-BE49-F238E27FC236}">
+                  <a16:creationId xmlns:a16="http://schemas.microsoft.com/office/drawing/2014/main" id="{BC779875-58BD-4ADE-A332-AAE9D9B03EF2}"/>
+                </a:ext>
+              </a:extLst>
+            </p:cNvPr>
+            <p:cNvSpPr>
+              <a:spLocks noChangeShapeType="1"/>
+            </p:cNvSpPr>
+            <p:nvPr/>
+          </p:nvSpPr>
+          <p:spPr bwMode="auto">
+            <a:xfrm>
+              <a:off x="1747838" y="3025776"/>
+              <a:ext cx="1870075" cy="0"/>
+            </a:xfrm>
+            <a:prstGeom prst="line">
+              <a:avLst/>
+            </a:prstGeom>
+            <a:noFill/>
+            <a:ln w="28575">
+              <a:solidFill>
+                <a:srgbClr val="00CC00"/>
+              </a:solidFill>
+              <a:round/>
+              <a:headEnd/>
+              <a:tailEnd/>
+            </a:ln>
+            <a:effectLst/>
+            <a:extLst>
+              <a:ext uri="{909E8E84-426E-40DD-AFC4-6F175D3DCCD1}">
+                <a14:hiddenFill xmlns:a14="http://schemas.microsoft.com/office/drawing/2010/main">
+                  <a:noFill/>
+                </a14:hiddenFill>
+              </a:ext>
+              <a:ext uri="{AF507438-7753-43E0-B8FC-AC1667EBCBE1}">
+                <a14:hiddenEffects xmlns:a14="http://schemas.microsoft.com/office/drawing/2010/main">
+                  <a:effectLst>
+                    <a:outerShdw dist="35921" dir="2700000" algn="ctr" rotWithShape="0">
+                      <a:schemeClr val="bg2"/>
+                    </a:outerShdw>
+                  </a:effectLst>
+                </a14:hiddenEffects>
+              </a:ext>
+            </a:extLst>
+          </p:spPr>
+          <p:txBody>
+            <a:bodyPr/>
+            <a:lstStyle/>
+            <a:p>
+              <a:endParaRPr lang="ko-KR" altLang="en-US"/>
+            </a:p>
+          </p:txBody>
+        </p:sp>
+        <p:sp>
+          <p:nvSpPr>
+            <p:cNvPr id="19" name="Text Box 39">
+              <a:extLst>
+                <a:ext uri="{FF2B5EF4-FFF2-40B4-BE49-F238E27FC236}">
+                  <a16:creationId xmlns:a16="http://schemas.microsoft.com/office/drawing/2014/main" id="{2421B11B-8A20-4A14-B4D9-75F9DB7A330C}"/>
+                </a:ext>
+              </a:extLst>
+            </p:cNvPr>
+            <p:cNvSpPr txBox="1">
+              <a:spLocks noChangeArrowheads="1"/>
+            </p:cNvSpPr>
+            <p:nvPr/>
+          </p:nvSpPr>
+          <p:spPr bwMode="auto">
+            <a:xfrm>
+              <a:off x="1025526" y="2857501"/>
+              <a:ext cx="706438" cy="304800"/>
+            </a:xfrm>
+            <a:prstGeom prst="rect">
+              <a:avLst/>
+            </a:prstGeom>
+            <a:noFill/>
+            <a:ln>
+              <a:noFill/>
+            </a:ln>
+            <a:effectLst/>
+            <a:extLst>
+              <a:ext uri="{909E8E84-426E-40DD-AFC4-6F175D3DCCD1}">
+                <a14:hiddenFill xmlns:a14="http://schemas.microsoft.com/office/drawing/2010/main">
+                  <a:solidFill>
+                    <a:schemeClr val="accent1"/>
+                  </a:solidFill>
+                </a14:hiddenFill>
+              </a:ext>
+              <a:ext uri="{91240B29-F687-4F45-9708-019B960494DF}">
+                <a14:hiddenLine xmlns:a14="http://schemas.microsoft.com/office/drawing/2010/main" w="9525">
+                  <a:solidFill>
+                    <a:schemeClr val="tx1"/>
+                  </a:solidFill>
+                  <a:miter lim="800000"/>
+                  <a:headEnd/>
+                  <a:tailEnd/>
+                </a14:hiddenLine>
+              </a:ext>
+              <a:ext uri="{AF507438-7753-43E0-B8FC-AC1667EBCBE1}">
+                <a14:hiddenEffects xmlns:a14="http://schemas.microsoft.com/office/drawing/2010/main">
+                  <a:effectLst>
+                    <a:outerShdw dist="35921" dir="2700000" algn="ctr" rotWithShape="0">
+                      <a:schemeClr val="bg2"/>
+                    </a:outerShdw>
+                  </a:effectLst>
+                </a14:hiddenEffects>
+              </a:ext>
+            </a:extLst>
+          </p:spPr>
+          <p:txBody>
+            <a:bodyPr wrap="none">
+              <a:spAutoFit/>
+            </a:bodyPr>
+            <a:lstStyle>
+              <a:lvl1pPr algn="ctr" latinLnBrk="1">
+                <a:defRPr kumimoji="1" sz="2400">
+                  <a:solidFill>
+                    <a:schemeClr val="tx1"/>
+                  </a:solidFill>
+                  <a:latin typeface="굴림" panose="020B0600000101010101" pitchFamily="50" charset="-127"/>
+                  <a:ea typeface="굴림" panose="020B0600000101010101" pitchFamily="50" charset="-127"/>
+                </a:defRPr>
+              </a:lvl1pPr>
+              <a:lvl2pPr marL="742950" indent="-285750" algn="ctr" latinLnBrk="1">
+                <a:defRPr kumimoji="1" sz="2400">
+                  <a:solidFill>
+                    <a:schemeClr val="tx1"/>
+                  </a:solidFill>
+                  <a:latin typeface="굴림" panose="020B0600000101010101" pitchFamily="50" charset="-127"/>
+                  <a:ea typeface="굴림" panose="020B0600000101010101" pitchFamily="50" charset="-127"/>
+                </a:defRPr>
+              </a:lvl2pPr>
+              <a:lvl3pPr marL="1143000" indent="-228600" algn="ctr" latinLnBrk="1">
+                <a:defRPr kumimoji="1" sz="2400">
+                  <a:solidFill>
+                    <a:schemeClr val="tx1"/>
+                  </a:solidFill>
+                  <a:latin typeface="굴림" panose="020B0600000101010101" pitchFamily="50" charset="-127"/>
+                  <a:ea typeface="굴림" panose="020B0600000101010101" pitchFamily="50" charset="-127"/>
+                </a:defRPr>
+              </a:lvl3pPr>
+              <a:lvl4pPr marL="1600200" indent="-228600" algn="ctr" latinLnBrk="1">
+                <a:defRPr kumimoji="1" sz="2400">
+                  <a:solidFill>
+                    <a:schemeClr val="tx1"/>
+                  </a:solidFill>
+                  <a:latin typeface="굴림" panose="020B0600000101010101" pitchFamily="50" charset="-127"/>
+                  <a:ea typeface="굴림" panose="020B0600000101010101" pitchFamily="50" charset="-127"/>
+                </a:defRPr>
+              </a:lvl4pPr>
+              <a:lvl5pPr marL="2057400" indent="-228600" algn="ctr" latinLnBrk="1">
+                <a:defRPr kumimoji="1" sz="2400">
+                  <a:solidFill>
+                    <a:schemeClr val="tx1"/>
+                  </a:solidFill>
+                  <a:latin typeface="굴림" panose="020B0600000101010101" pitchFamily="50" charset="-127"/>
+                  <a:ea typeface="굴림" panose="020B0600000101010101" pitchFamily="50" charset="-127"/>
+                </a:defRPr>
+              </a:lvl5pPr>
+              <a:lvl6pPr marL="2514600" indent="-228600" algn="ctr" eaLnBrk="0" fontAlgn="base" hangingPunct="0">
+                <a:spcBef>
+                  <a:spcPct val="0"/>
+                </a:spcBef>
+                <a:spcAft>
+                  <a:spcPct val="0"/>
+                </a:spcAft>
+                <a:defRPr kumimoji="1" sz="2400">
+                  <a:solidFill>
+                    <a:schemeClr val="tx1"/>
+                  </a:solidFill>
+                  <a:latin typeface="굴림" panose="020B0600000101010101" pitchFamily="50" charset="-127"/>
+                  <a:ea typeface="굴림" panose="020B0600000101010101" pitchFamily="50" charset="-127"/>
+                </a:defRPr>
+              </a:lvl6pPr>
+              <a:lvl7pPr marL="2971800" indent="-228600" algn="ctr" eaLnBrk="0" fontAlgn="base" hangingPunct="0">
+                <a:spcBef>
+                  <a:spcPct val="0"/>
+                </a:spcBef>
+                <a:spcAft>
+                  <a:spcPct val="0"/>
+                </a:spcAft>
+                <a:defRPr kumimoji="1" sz="2400">
+                  <a:solidFill>
+                    <a:schemeClr val="tx1"/>
+                  </a:solidFill>
+                  <a:latin typeface="굴림" panose="020B0600000101010101" pitchFamily="50" charset="-127"/>
+                  <a:ea typeface="굴림" panose="020B0600000101010101" pitchFamily="50" charset="-127"/>
+                </a:defRPr>
+              </a:lvl7pPr>
+              <a:lvl8pPr marL="3429000" indent="-228600" algn="ctr" eaLnBrk="0" fontAlgn="base" hangingPunct="0">
+                <a:spcBef>
+                  <a:spcPct val="0"/>
+                </a:spcBef>
+                <a:spcAft>
+                  <a:spcPct val="0"/>
+                </a:spcAft>
+                <a:defRPr kumimoji="1" sz="2400">
+                  <a:solidFill>
+                    <a:schemeClr val="tx1"/>
+                  </a:solidFill>
+                  <a:latin typeface="굴림" panose="020B0600000101010101" pitchFamily="50" charset="-127"/>
+                  <a:ea typeface="굴림" panose="020B0600000101010101" pitchFamily="50" charset="-127"/>
+                </a:defRPr>
+              </a:lvl8pPr>
+              <a:lvl9pPr marL="3886200" indent="-228600" algn="ctr" eaLnBrk="0" fontAlgn="base" hangingPunct="0">
+                <a:spcBef>
+                  <a:spcPct val="0"/>
+                </a:spcBef>
+                <a:spcAft>
+                  <a:spcPct val="0"/>
+                </a:spcAft>
+                <a:defRPr kumimoji="1" sz="2400">
+                  <a:solidFill>
+                    <a:schemeClr val="tx1"/>
+                  </a:solidFill>
+                  <a:latin typeface="굴림" panose="020B0600000101010101" pitchFamily="50" charset="-127"/>
+                  <a:ea typeface="굴림" panose="020B0600000101010101" pitchFamily="50" charset="-127"/>
+                </a:defRPr>
+              </a:lvl9pPr>
+            </a:lstStyle>
+            <a:p>
+              <a:pPr algn="l" eaLnBrk="1" hangingPunct="1"/>
+              <a:r>
+                <a:rPr lang="en-US" altLang="ko-KR" sz="1400" b="1">
+                  <a:solidFill>
+                    <a:srgbClr val="00CC00"/>
+                  </a:solidFill>
+                  <a:latin typeface="Arial" panose="020B0604020202020204" pitchFamily="34" charset="0"/>
+                </a:rPr>
+                <a:t>X-axis</a:t>
+              </a:r>
+            </a:p>
+          </p:txBody>
+        </p:sp>
+        <p:sp>
+          <p:nvSpPr>
+            <p:cNvPr id="20" name="Text Box 40">
+              <a:extLst>
+                <a:ext uri="{FF2B5EF4-FFF2-40B4-BE49-F238E27FC236}">
+                  <a16:creationId xmlns:a16="http://schemas.microsoft.com/office/drawing/2014/main" id="{66AE9DDC-366A-466F-9AAA-AD73470A1264}"/>
+                </a:ext>
+              </a:extLst>
+            </p:cNvPr>
+            <p:cNvSpPr txBox="1">
+              <a:spLocks noChangeArrowheads="1"/>
+            </p:cNvSpPr>
+            <p:nvPr/>
+          </p:nvSpPr>
+          <p:spPr bwMode="auto">
+            <a:xfrm>
+              <a:off x="977901" y="1109663"/>
+              <a:ext cx="676275" cy="304800"/>
+            </a:xfrm>
+            <a:prstGeom prst="rect">
+              <a:avLst/>
+            </a:prstGeom>
+            <a:noFill/>
+            <a:ln>
+              <a:noFill/>
+            </a:ln>
+            <a:effectLst/>
+            <a:extLst>
+              <a:ext uri="{909E8E84-426E-40DD-AFC4-6F175D3DCCD1}">
+                <a14:hiddenFill xmlns:a14="http://schemas.microsoft.com/office/drawing/2010/main">
+                  <a:solidFill>
+                    <a:schemeClr val="accent1"/>
+                  </a:solidFill>
+                </a14:hiddenFill>
+              </a:ext>
+              <a:ext uri="{91240B29-F687-4F45-9708-019B960494DF}">
+                <a14:hiddenLine xmlns:a14="http://schemas.microsoft.com/office/drawing/2010/main" w="9525">
+                  <a:solidFill>
+                    <a:schemeClr val="tx1"/>
+                  </a:solidFill>
+                  <a:miter lim="800000"/>
+                  <a:headEnd/>
+                  <a:tailEnd/>
+                </a14:hiddenLine>
+              </a:ext>
+              <a:ext uri="{AF507438-7753-43E0-B8FC-AC1667EBCBE1}">
+                <a14:hiddenEffects xmlns:a14="http://schemas.microsoft.com/office/drawing/2010/main">
+                  <a:effectLst>
+                    <a:outerShdw dist="35921" dir="2700000" algn="ctr" rotWithShape="0">
+                      <a:schemeClr val="bg2"/>
+                    </a:outerShdw>
+                  </a:effectLst>
+                </a14:hiddenEffects>
+              </a:ext>
+            </a:extLst>
+          </p:spPr>
+          <p:txBody>
+            <a:bodyPr wrap="none">
+              <a:spAutoFit/>
+            </a:bodyPr>
+            <a:lstStyle>
+              <a:lvl1pPr algn="ctr" latinLnBrk="1">
+                <a:defRPr kumimoji="1" sz="2400">
+                  <a:solidFill>
+                    <a:schemeClr val="tx1"/>
+                  </a:solidFill>
+                  <a:latin typeface="굴림" panose="020B0600000101010101" pitchFamily="50" charset="-127"/>
+                  <a:ea typeface="굴림" panose="020B0600000101010101" pitchFamily="50" charset="-127"/>
+                </a:defRPr>
+              </a:lvl1pPr>
+              <a:lvl2pPr marL="742950" indent="-285750" algn="ctr" latinLnBrk="1">
+                <a:defRPr kumimoji="1" sz="2400">
+                  <a:solidFill>
+                    <a:schemeClr val="tx1"/>
+                  </a:solidFill>
+                  <a:latin typeface="굴림" panose="020B0600000101010101" pitchFamily="50" charset="-127"/>
+                  <a:ea typeface="굴림" panose="020B0600000101010101" pitchFamily="50" charset="-127"/>
+                </a:defRPr>
+              </a:lvl2pPr>
+              <a:lvl3pPr marL="1143000" indent="-228600" algn="ctr" latinLnBrk="1">
+                <a:defRPr kumimoji="1" sz="2400">
+                  <a:solidFill>
+                    <a:schemeClr val="tx1"/>
+                  </a:solidFill>
+                  <a:latin typeface="굴림" panose="020B0600000101010101" pitchFamily="50" charset="-127"/>
+                  <a:ea typeface="굴림" panose="020B0600000101010101" pitchFamily="50" charset="-127"/>
+                </a:defRPr>
+              </a:lvl3pPr>
+              <a:lvl4pPr marL="1600200" indent="-228600" algn="ctr" latinLnBrk="1">
+                <a:defRPr kumimoji="1" sz="2400">
+                  <a:solidFill>
+                    <a:schemeClr val="tx1"/>
+                  </a:solidFill>
+                  <a:latin typeface="굴림" panose="020B0600000101010101" pitchFamily="50" charset="-127"/>
+                  <a:ea typeface="굴림" panose="020B0600000101010101" pitchFamily="50" charset="-127"/>
+                </a:defRPr>
+              </a:lvl4pPr>
+              <a:lvl5pPr marL="2057400" indent="-228600" algn="ctr" latinLnBrk="1">
+                <a:defRPr kumimoji="1" sz="2400">
+                  <a:solidFill>
+                    <a:schemeClr val="tx1"/>
+                  </a:solidFill>
+                  <a:latin typeface="굴림" panose="020B0600000101010101" pitchFamily="50" charset="-127"/>
+                  <a:ea typeface="굴림" panose="020B0600000101010101" pitchFamily="50" charset="-127"/>
+                </a:defRPr>
+              </a:lvl5pPr>
+              <a:lvl6pPr marL="2514600" indent="-228600" algn="ctr" eaLnBrk="0" fontAlgn="base" hangingPunct="0">
+                <a:spcBef>
+                  <a:spcPct val="0"/>
+                </a:spcBef>
+                <a:spcAft>
+                  <a:spcPct val="0"/>
+                </a:spcAft>
+                <a:defRPr kumimoji="1" sz="2400">
+                  <a:solidFill>
+                    <a:schemeClr val="tx1"/>
+                  </a:solidFill>
+                  <a:latin typeface="굴림" panose="020B0600000101010101" pitchFamily="50" charset="-127"/>
+                  <a:ea typeface="굴림" panose="020B0600000101010101" pitchFamily="50" charset="-127"/>
+                </a:defRPr>
+              </a:lvl6pPr>
+              <a:lvl7pPr marL="2971800" indent="-228600" algn="ctr" eaLnBrk="0" fontAlgn="base" hangingPunct="0">
+                <a:spcBef>
+                  <a:spcPct val="0"/>
+                </a:spcBef>
+                <a:spcAft>
+                  <a:spcPct val="0"/>
+                </a:spcAft>
+                <a:defRPr kumimoji="1" sz="2400">
+                  <a:solidFill>
+                    <a:schemeClr val="tx1"/>
+                  </a:solidFill>
+                  <a:latin typeface="굴림" panose="020B0600000101010101" pitchFamily="50" charset="-127"/>
+                  <a:ea typeface="굴림" panose="020B0600000101010101" pitchFamily="50" charset="-127"/>
+                </a:defRPr>
+              </a:lvl7pPr>
+              <a:lvl8pPr marL="3429000" indent="-228600" algn="ctr" eaLnBrk="0" fontAlgn="base" hangingPunct="0">
+                <a:spcBef>
+                  <a:spcPct val="0"/>
+                </a:spcBef>
+                <a:spcAft>
+                  <a:spcPct val="0"/>
+                </a:spcAft>
+                <a:defRPr kumimoji="1" sz="2400">
+                  <a:solidFill>
+                    <a:schemeClr val="tx1"/>
+                  </a:solidFill>
+                  <a:latin typeface="굴림" panose="020B0600000101010101" pitchFamily="50" charset="-127"/>
+                  <a:ea typeface="굴림" panose="020B0600000101010101" pitchFamily="50" charset="-127"/>
+                </a:defRPr>
+              </a:lvl8pPr>
+              <a:lvl9pPr marL="3886200" indent="-228600" algn="ctr" eaLnBrk="0" fontAlgn="base" hangingPunct="0">
+                <a:spcBef>
+                  <a:spcPct val="0"/>
+                </a:spcBef>
+                <a:spcAft>
+                  <a:spcPct val="0"/>
+                </a:spcAft>
+                <a:defRPr kumimoji="1" sz="2400">
+                  <a:solidFill>
+                    <a:schemeClr val="tx1"/>
+                  </a:solidFill>
+                  <a:latin typeface="굴림" panose="020B0600000101010101" pitchFamily="50" charset="-127"/>
+                  <a:ea typeface="굴림" panose="020B0600000101010101" pitchFamily="50" charset="-127"/>
+                </a:defRPr>
+              </a:lvl9pPr>
+            </a:lstStyle>
+            <a:p>
+              <a:pPr algn="l" eaLnBrk="1" hangingPunct="1"/>
+              <a:r>
+                <a:rPr lang="en-US" altLang="ko-KR" sz="1400" b="1">
+                  <a:solidFill>
+                    <a:srgbClr val="FF66CC"/>
+                  </a:solidFill>
+                  <a:latin typeface="Arial" panose="020B0604020202020204" pitchFamily="34" charset="0"/>
+                </a:rPr>
+                <a:t>z-axis</a:t>
+              </a:r>
+            </a:p>
+          </p:txBody>
+        </p:sp>
+        <p:graphicFrame>
+          <p:nvGraphicFramePr>
+            <p:cNvPr id="21" name="Object 104">
+              <a:extLst>
+                <a:ext uri="{FF2B5EF4-FFF2-40B4-BE49-F238E27FC236}">
+                  <a16:creationId xmlns:a16="http://schemas.microsoft.com/office/drawing/2014/main" id="{90EA5838-314C-4539-9715-B7F7B057319C}"/>
+                </a:ext>
+              </a:extLst>
+            </p:cNvPr>
+            <p:cNvGraphicFramePr>
+              <a:graphicFrameLocks noChangeAspect="1"/>
+            </p:cNvGraphicFramePr>
+            <p:nvPr>
+              <p:extLst>
+                <p:ext uri="{D42A27DB-BD31-4B8C-83A1-F6EECF244321}">
+                  <p14:modId xmlns:p14="http://schemas.microsoft.com/office/powerpoint/2010/main" val="3636814732"/>
+                </p:ext>
+              </p:extLst>
+            </p:nvPr>
+          </p:nvGraphicFramePr>
+          <p:xfrm>
+            <a:off x="6407151" y="1407950"/>
+            <a:ext cx="571500" cy="1407266"/>
+          </p:xfrm>
+          <a:graphic>
+            <a:graphicData uri="http://schemas.openxmlformats.org/presentationml/2006/ole">
+              <mc:AlternateContent xmlns:mc="http://schemas.openxmlformats.org/markup-compatibility/2006">
+                <mc:Choice xmlns:v="urn:schemas-microsoft-com:vml" Requires="v">
+                  <p:oleObj spid="_x0000_s1032" name="Image" r:id="rId7" imgW="571227" imgH="2285714" progId="Photoshop.Image.6">
+                    <p:embed/>
+                  </p:oleObj>
+                </mc:Choice>
+                <mc:Fallback>
+                  <p:oleObj name="Image" r:id="rId7" imgW="571227" imgH="2285714" progId="Photoshop.Image.6">
+                    <p:embed/>
+                    <p:pic>
+                      <p:nvPicPr>
+                        <p:cNvPr id="15403" name="Object 104">
+                          <a:extLst>
+                            <a:ext uri="{FF2B5EF4-FFF2-40B4-BE49-F238E27FC236}">
+                              <a16:creationId xmlns:a16="http://schemas.microsoft.com/office/drawing/2014/main" id="{82F5CCD9-DA3C-4F73-AA8B-4E0384CBB1F8}"/>
+                            </a:ext>
+                          </a:extLst>
+                        </p:cNvPr>
+                        <p:cNvPicPr>
+                          <a:picLocks noChangeAspect="1" noChangeArrowheads="1"/>
+                        </p:cNvPicPr>
+                        <p:nvPr/>
+                      </p:nvPicPr>
+                      <p:blipFill>
+                        <a:blip r:embed="rId8">
+                          <a:extLst>
+                            <a:ext uri="{28A0092B-C50C-407E-A947-70E740481C1C}">
+                              <a14:useLocalDpi xmlns:a14="http://schemas.microsoft.com/office/drawing/2010/main" val="0"/>
+                            </a:ext>
+                          </a:extLst>
+                        </a:blip>
+                        <a:srcRect/>
+                        <a:stretch>
+                          <a:fillRect/>
+                        </a:stretch>
+                      </p:blipFill>
+                      <p:spPr bwMode="auto">
+                        <a:xfrm>
+                          <a:off x="6407151" y="1407950"/>
+                          <a:ext cx="571500" cy="1407266"/>
+                        </a:xfrm>
+                        <a:prstGeom prst="rect">
+                          <a:avLst/>
+                        </a:prstGeom>
+                        <a:noFill/>
+                        <a:ln>
+                          <a:noFill/>
+                        </a:ln>
+                        <a:effectLst/>
+                        <a:extLst>
+                          <a:ext uri="{909E8E84-426E-40DD-AFC4-6F175D3DCCD1}">
+                            <a14:hiddenFill xmlns:a14="http://schemas.microsoft.com/office/drawing/2010/main">
+                              <a:solidFill>
+                                <a:schemeClr val="accent1"/>
+                              </a:solidFill>
+                            </a14:hiddenFill>
+                          </a:ext>
+                          <a:ext uri="{91240B29-F687-4F45-9708-019B960494DF}">
+                            <a14:hiddenLine xmlns:a14="http://schemas.microsoft.com/office/drawing/2010/main" w="9525">
+                              <a:solidFill>
+                                <a:schemeClr val="tx1"/>
+                              </a:solidFill>
+                              <a:miter lim="800000"/>
+                              <a:headEnd/>
+                              <a:tailEnd/>
+                            </a14:hiddenLine>
+                          </a:ext>
+                          <a:ext uri="{AF507438-7753-43E0-B8FC-AC1667EBCBE1}">
+                            <a14:hiddenEffects xmlns:a14="http://schemas.microsoft.com/office/drawing/2010/main">
+                              <a:effectLst>
+                                <a:outerShdw dist="35921" dir="2700000" algn="ctr" rotWithShape="0">
+                                  <a:schemeClr val="bg2"/>
+                                </a:outerShdw>
+                              </a:effectLst>
+                            </a14:hiddenEffects>
+                          </a:ext>
+                        </a:extLst>
+                      </p:spPr>
+                    </p:pic>
+                  </p:oleObj>
+                </mc:Fallback>
+              </mc:AlternateContent>
+            </a:graphicData>
+          </a:graphic>
+        </p:graphicFrame>
+        <p:graphicFrame>
+          <p:nvGraphicFramePr>
+            <p:cNvPr id="22" name="Object 105">
+              <a:extLst>
+                <a:ext uri="{FF2B5EF4-FFF2-40B4-BE49-F238E27FC236}">
+                  <a16:creationId xmlns:a16="http://schemas.microsoft.com/office/drawing/2014/main" id="{A5F4EA15-C29A-4154-AE69-C784FB390759}"/>
+                </a:ext>
+              </a:extLst>
+            </p:cNvPr>
+            <p:cNvGraphicFramePr>
+              <a:graphicFrameLocks noChangeAspect="1"/>
+            </p:cNvGraphicFramePr>
+            <p:nvPr>
+              <p:extLst>
+                <p:ext uri="{D42A27DB-BD31-4B8C-83A1-F6EECF244321}">
+                  <p14:modId xmlns:p14="http://schemas.microsoft.com/office/powerpoint/2010/main" val="1453199650"/>
+                </p:ext>
+              </p:extLst>
+            </p:nvPr>
+          </p:nvGraphicFramePr>
+          <p:xfrm>
+            <a:off x="6918326" y="1331468"/>
+            <a:ext cx="993775" cy="1562779"/>
+          </p:xfrm>
+          <a:graphic>
+            <a:graphicData uri="http://schemas.openxmlformats.org/presentationml/2006/ole">
+              <mc:AlternateContent xmlns:mc="http://schemas.openxmlformats.org/markup-compatibility/2006">
+                <mc:Choice xmlns:v="urn:schemas-microsoft-com:vml" Requires="v">
+                  <p:oleObj spid="_x0000_s1033" name="SPW 8.0 Graph" r:id="rId9" imgW="993600" imgH="1945800" progId="SigmaPlotGraphicObject.7">
+                    <p:embed/>
+                  </p:oleObj>
+                </mc:Choice>
+                <mc:Fallback>
+                  <p:oleObj name="SPW 8.0 Graph" r:id="rId9" imgW="993600" imgH="1945800" progId="SigmaPlotGraphicObject.7">
+                    <p:embed/>
+                    <p:pic>
+                      <p:nvPicPr>
+                        <p:cNvPr id="15404" name="Object 105">
+                          <a:extLst>
+                            <a:ext uri="{FF2B5EF4-FFF2-40B4-BE49-F238E27FC236}">
+                              <a16:creationId xmlns:a16="http://schemas.microsoft.com/office/drawing/2014/main" id="{B2036999-4235-4427-8C27-E8934FE764D9}"/>
+                            </a:ext>
+                          </a:extLst>
+                        </p:cNvPr>
+                        <p:cNvPicPr>
+                          <a:picLocks noChangeAspect="1" noChangeArrowheads="1"/>
+                        </p:cNvPicPr>
+                        <p:nvPr/>
+                      </p:nvPicPr>
+                      <p:blipFill>
+                        <a:blip r:embed="rId10">
+                          <a:extLst>
+                            <a:ext uri="{28A0092B-C50C-407E-A947-70E740481C1C}">
+                              <a14:useLocalDpi xmlns:a14="http://schemas.microsoft.com/office/drawing/2010/main" val="0"/>
+                            </a:ext>
+                          </a:extLst>
+                        </a:blip>
+                        <a:srcRect/>
+                        <a:stretch>
+                          <a:fillRect/>
+                        </a:stretch>
+                      </p:blipFill>
+                      <p:spPr bwMode="auto">
+                        <a:xfrm>
+                          <a:off x="6918326" y="1331468"/>
+                          <a:ext cx="993775" cy="1562779"/>
+                        </a:xfrm>
+                        <a:prstGeom prst="rect">
+                          <a:avLst/>
+                        </a:prstGeom>
+                        <a:noFill/>
+                        <a:ln>
+                          <a:noFill/>
+                        </a:ln>
+                        <a:effectLst/>
+                        <a:extLst>
+                          <a:ext uri="{909E8E84-426E-40DD-AFC4-6F175D3DCCD1}">
+                            <a14:hiddenFill xmlns:a14="http://schemas.microsoft.com/office/drawing/2010/main">
+                              <a:solidFill>
+                                <a:schemeClr val="accent1"/>
+                              </a:solidFill>
+                            </a14:hiddenFill>
+                          </a:ext>
+                          <a:ext uri="{91240B29-F687-4F45-9708-019B960494DF}">
+                            <a14:hiddenLine xmlns:a14="http://schemas.microsoft.com/office/drawing/2010/main" w="9525">
+                              <a:solidFill>
+                                <a:schemeClr val="tx1"/>
+                              </a:solidFill>
+                              <a:miter lim="800000"/>
+                              <a:headEnd/>
+                              <a:tailEnd/>
+                            </a14:hiddenLine>
+                          </a:ext>
+                          <a:ext uri="{AF507438-7753-43E0-B8FC-AC1667EBCBE1}">
+                            <a14:hiddenEffects xmlns:a14="http://schemas.microsoft.com/office/drawing/2010/main">
+                              <a:effectLst>
+                                <a:outerShdw dist="35921" dir="2700000" algn="ctr" rotWithShape="0">
+                                  <a:schemeClr val="bg2"/>
+                                </a:outerShdw>
+                              </a:effectLst>
+                            </a14:hiddenEffects>
+                          </a:ext>
+                        </a:extLst>
+                      </p:spPr>
+                    </p:pic>
+                  </p:oleObj>
+                </mc:Fallback>
+              </mc:AlternateContent>
+            </a:graphicData>
+          </a:graphic>
+        </p:graphicFrame>
+        <p:sp>
+          <p:nvSpPr>
+            <p:cNvPr id="23" name="Rectangle 106">
+              <a:extLst>
+                <a:ext uri="{FF2B5EF4-FFF2-40B4-BE49-F238E27FC236}">
+                  <a16:creationId xmlns:a16="http://schemas.microsoft.com/office/drawing/2014/main" id="{C16181BE-D4BC-4449-8E14-AB57EC5E2975}"/>
+                </a:ext>
+              </a:extLst>
+            </p:cNvPr>
+            <p:cNvSpPr>
+              <a:spLocks noChangeArrowheads="1"/>
+            </p:cNvSpPr>
+            <p:nvPr/>
+          </p:nvSpPr>
+          <p:spPr bwMode="auto">
+            <a:xfrm>
+              <a:off x="6311901" y="1193801"/>
+              <a:ext cx="1249363" cy="304653"/>
+            </a:xfrm>
+            <a:prstGeom prst="rect">
+              <a:avLst/>
+            </a:prstGeom>
+            <a:noFill/>
+            <a:ln>
+              <a:noFill/>
+            </a:ln>
+            <a:effectLst/>
+            <a:extLst>
+              <a:ext uri="{909E8E84-426E-40DD-AFC4-6F175D3DCCD1}">
+                <a14:hiddenFill xmlns:a14="http://schemas.microsoft.com/office/drawing/2010/main">
+                  <a:solidFill>
+                    <a:schemeClr val="accent1"/>
+                  </a:solidFill>
+                </a14:hiddenFill>
+              </a:ext>
+              <a:ext uri="{91240B29-F687-4F45-9708-019B960494DF}">
+                <a14:hiddenLine xmlns:a14="http://schemas.microsoft.com/office/drawing/2010/main" w="9525">
+                  <a:solidFill>
+                    <a:schemeClr val="tx1"/>
+                  </a:solidFill>
+                  <a:miter lim="800000"/>
+                  <a:headEnd/>
+                  <a:tailEnd/>
+                </a14:hiddenLine>
+              </a:ext>
+              <a:ext uri="{AF507438-7753-43E0-B8FC-AC1667EBCBE1}">
+                <a14:hiddenEffects xmlns:a14="http://schemas.microsoft.com/office/drawing/2010/main">
+                  <a:effectLst>
+                    <a:outerShdw dist="35921" dir="2700000" algn="ctr" rotWithShape="0">
+                      <a:schemeClr val="bg2"/>
+                    </a:outerShdw>
+                  </a:effectLst>
+                </a14:hiddenEffects>
+              </a:ext>
+            </a:extLst>
+          </p:spPr>
+          <p:txBody>
+            <a:bodyPr wrap="none">
+              <a:spAutoFit/>
+            </a:bodyPr>
+            <a:lstStyle>
+              <a:lvl1pPr algn="ctr" latinLnBrk="1">
+                <a:defRPr kumimoji="1" sz="2400">
+                  <a:solidFill>
+                    <a:schemeClr val="tx1"/>
+                  </a:solidFill>
+                  <a:latin typeface="굴림" panose="020B0600000101010101" pitchFamily="50" charset="-127"/>
+                  <a:ea typeface="굴림" panose="020B0600000101010101" pitchFamily="50" charset="-127"/>
+                </a:defRPr>
+              </a:lvl1pPr>
+              <a:lvl2pPr marL="742950" indent="-285750" algn="ctr" latinLnBrk="1">
+                <a:defRPr kumimoji="1" sz="2400">
+                  <a:solidFill>
+                    <a:schemeClr val="tx1"/>
+                  </a:solidFill>
+                  <a:latin typeface="굴림" panose="020B0600000101010101" pitchFamily="50" charset="-127"/>
+                  <a:ea typeface="굴림" panose="020B0600000101010101" pitchFamily="50" charset="-127"/>
+                </a:defRPr>
+              </a:lvl2pPr>
+              <a:lvl3pPr marL="1143000" indent="-228600" algn="ctr" latinLnBrk="1">
+                <a:defRPr kumimoji="1" sz="2400">
+                  <a:solidFill>
+                    <a:schemeClr val="tx1"/>
+                  </a:solidFill>
+                  <a:latin typeface="굴림" panose="020B0600000101010101" pitchFamily="50" charset="-127"/>
+                  <a:ea typeface="굴림" panose="020B0600000101010101" pitchFamily="50" charset="-127"/>
+                </a:defRPr>
+              </a:lvl3pPr>
+              <a:lvl4pPr marL="1600200" indent="-228600" algn="ctr" latinLnBrk="1">
+                <a:defRPr kumimoji="1" sz="2400">
+                  <a:solidFill>
+                    <a:schemeClr val="tx1"/>
+                  </a:solidFill>
+                  <a:latin typeface="굴림" panose="020B0600000101010101" pitchFamily="50" charset="-127"/>
+                  <a:ea typeface="굴림" panose="020B0600000101010101" pitchFamily="50" charset="-127"/>
+                </a:defRPr>
+              </a:lvl4pPr>
+              <a:lvl5pPr marL="2057400" indent="-228600" algn="ctr" latinLnBrk="1">
+                <a:defRPr kumimoji="1" sz="2400">
+                  <a:solidFill>
+                    <a:schemeClr val="tx1"/>
+                  </a:solidFill>
+                  <a:latin typeface="굴림" panose="020B0600000101010101" pitchFamily="50" charset="-127"/>
+                  <a:ea typeface="굴림" panose="020B0600000101010101" pitchFamily="50" charset="-127"/>
+                </a:defRPr>
+              </a:lvl5pPr>
+              <a:lvl6pPr marL="2514600" indent="-228600" algn="ctr" eaLnBrk="0" fontAlgn="base" hangingPunct="0">
+                <a:spcBef>
+                  <a:spcPct val="0"/>
+                </a:spcBef>
+                <a:spcAft>
+                  <a:spcPct val="0"/>
+                </a:spcAft>
+                <a:defRPr kumimoji="1" sz="2400">
+                  <a:solidFill>
+                    <a:schemeClr val="tx1"/>
+                  </a:solidFill>
+                  <a:latin typeface="굴림" panose="020B0600000101010101" pitchFamily="50" charset="-127"/>
+                  <a:ea typeface="굴림" panose="020B0600000101010101" pitchFamily="50" charset="-127"/>
+                </a:defRPr>
+              </a:lvl6pPr>
+              <a:lvl7pPr marL="2971800" indent="-228600" algn="ctr" eaLnBrk="0" fontAlgn="base" hangingPunct="0">
+                <a:spcBef>
+                  <a:spcPct val="0"/>
+                </a:spcBef>
+                <a:spcAft>
+                  <a:spcPct val="0"/>
+                </a:spcAft>
+                <a:defRPr kumimoji="1" sz="2400">
+                  <a:solidFill>
+                    <a:schemeClr val="tx1"/>
+                  </a:solidFill>
+                  <a:latin typeface="굴림" panose="020B0600000101010101" pitchFamily="50" charset="-127"/>
+                  <a:ea typeface="굴림" panose="020B0600000101010101" pitchFamily="50" charset="-127"/>
+                </a:defRPr>
+              </a:lvl7pPr>
+              <a:lvl8pPr marL="3429000" indent="-228600" algn="ctr" eaLnBrk="0" fontAlgn="base" hangingPunct="0">
+                <a:spcBef>
+                  <a:spcPct val="0"/>
+                </a:spcBef>
+                <a:spcAft>
+                  <a:spcPct val="0"/>
+                </a:spcAft>
+                <a:defRPr kumimoji="1" sz="2400">
+                  <a:solidFill>
+                    <a:schemeClr val="tx1"/>
+                  </a:solidFill>
+                  <a:latin typeface="굴림" panose="020B0600000101010101" pitchFamily="50" charset="-127"/>
+                  <a:ea typeface="굴림" panose="020B0600000101010101" pitchFamily="50" charset="-127"/>
+                </a:defRPr>
+              </a:lvl8pPr>
+              <a:lvl9pPr marL="3886200" indent="-228600" algn="ctr" eaLnBrk="0" fontAlgn="base" hangingPunct="0">
+                <a:spcBef>
+                  <a:spcPct val="0"/>
+                </a:spcBef>
+                <a:spcAft>
+                  <a:spcPct val="0"/>
+                </a:spcAft>
+                <a:defRPr kumimoji="1" sz="2400">
+                  <a:solidFill>
+                    <a:schemeClr val="tx1"/>
+                  </a:solidFill>
+                  <a:latin typeface="굴림" panose="020B0600000101010101" pitchFamily="50" charset="-127"/>
+                  <a:ea typeface="굴림" panose="020B0600000101010101" pitchFamily="50" charset="-127"/>
+                </a:defRPr>
+              </a:lvl9pPr>
+            </a:lstStyle>
+            <a:p>
+              <a:pPr algn="l" eaLnBrk="1" hangingPunct="1"/>
+              <a:r>
+                <a:rPr lang="en-US" altLang="ko-KR" sz="1400" b="1">
+                  <a:solidFill>
+                    <a:srgbClr val="0000FF"/>
+                  </a:solidFill>
+                  <a:latin typeface="Arial" panose="020B0604020202020204" pitchFamily="34" charset="0"/>
+                </a:rPr>
+                <a:t>Current Sink</a:t>
+              </a:r>
+            </a:p>
+          </p:txBody>
+        </p:sp>
+        <p:sp>
+          <p:nvSpPr>
+            <p:cNvPr id="24" name="Rectangle 107">
+              <a:extLst>
+                <a:ext uri="{FF2B5EF4-FFF2-40B4-BE49-F238E27FC236}">
+                  <a16:creationId xmlns:a16="http://schemas.microsoft.com/office/drawing/2014/main" id="{C79EC649-37F3-42A8-B96D-89179CEA7254}"/>
+                </a:ext>
+              </a:extLst>
+            </p:cNvPr>
+            <p:cNvSpPr>
+              <a:spLocks noChangeArrowheads="1"/>
+            </p:cNvSpPr>
+            <p:nvPr/>
+          </p:nvSpPr>
+          <p:spPr bwMode="auto">
+            <a:xfrm>
+              <a:off x="6311901" y="2785898"/>
+              <a:ext cx="1476375" cy="303378"/>
+            </a:xfrm>
+            <a:prstGeom prst="rect">
+              <a:avLst/>
+            </a:prstGeom>
+            <a:noFill/>
+            <a:ln>
+              <a:noFill/>
+            </a:ln>
+            <a:effectLst/>
+            <a:extLst>
+              <a:ext uri="{909E8E84-426E-40DD-AFC4-6F175D3DCCD1}">
+                <a14:hiddenFill xmlns:a14="http://schemas.microsoft.com/office/drawing/2010/main">
+                  <a:solidFill>
+                    <a:schemeClr val="accent1"/>
+                  </a:solidFill>
+                </a14:hiddenFill>
+              </a:ext>
+              <a:ext uri="{91240B29-F687-4F45-9708-019B960494DF}">
+                <a14:hiddenLine xmlns:a14="http://schemas.microsoft.com/office/drawing/2010/main" w="9525">
+                  <a:solidFill>
+                    <a:schemeClr val="tx1"/>
+                  </a:solidFill>
+                  <a:miter lim="800000"/>
+                  <a:headEnd/>
+                  <a:tailEnd/>
+                </a14:hiddenLine>
+              </a:ext>
+              <a:ext uri="{AF507438-7753-43E0-B8FC-AC1667EBCBE1}">
+                <a14:hiddenEffects xmlns:a14="http://schemas.microsoft.com/office/drawing/2010/main">
+                  <a:effectLst>
+                    <a:outerShdw dist="35921" dir="2700000" algn="ctr" rotWithShape="0">
+                      <a:schemeClr val="bg2"/>
+                    </a:outerShdw>
+                  </a:effectLst>
+                </a14:hiddenEffects>
+              </a:ext>
+            </a:extLst>
+          </p:spPr>
+          <p:txBody>
+            <a:bodyPr wrap="none">
+              <a:spAutoFit/>
+            </a:bodyPr>
+            <a:lstStyle>
+              <a:lvl1pPr algn="ctr" latinLnBrk="1">
+                <a:defRPr kumimoji="1" sz="2400">
+                  <a:solidFill>
+                    <a:schemeClr val="tx1"/>
+                  </a:solidFill>
+                  <a:latin typeface="굴림" panose="020B0600000101010101" pitchFamily="50" charset="-127"/>
+                  <a:ea typeface="굴림" panose="020B0600000101010101" pitchFamily="50" charset="-127"/>
+                </a:defRPr>
+              </a:lvl1pPr>
+              <a:lvl2pPr marL="742950" indent="-285750" algn="ctr" latinLnBrk="1">
+                <a:defRPr kumimoji="1" sz="2400">
+                  <a:solidFill>
+                    <a:schemeClr val="tx1"/>
+                  </a:solidFill>
+                  <a:latin typeface="굴림" panose="020B0600000101010101" pitchFamily="50" charset="-127"/>
+                  <a:ea typeface="굴림" panose="020B0600000101010101" pitchFamily="50" charset="-127"/>
+                </a:defRPr>
+              </a:lvl2pPr>
+              <a:lvl3pPr marL="1143000" indent="-228600" algn="ctr" latinLnBrk="1">
+                <a:defRPr kumimoji="1" sz="2400">
+                  <a:solidFill>
+                    <a:schemeClr val="tx1"/>
+                  </a:solidFill>
+                  <a:latin typeface="굴림" panose="020B0600000101010101" pitchFamily="50" charset="-127"/>
+                  <a:ea typeface="굴림" panose="020B0600000101010101" pitchFamily="50" charset="-127"/>
+                </a:defRPr>
+              </a:lvl3pPr>
+              <a:lvl4pPr marL="1600200" indent="-228600" algn="ctr" latinLnBrk="1">
+                <a:defRPr kumimoji="1" sz="2400">
+                  <a:solidFill>
+                    <a:schemeClr val="tx1"/>
+                  </a:solidFill>
+                  <a:latin typeface="굴림" panose="020B0600000101010101" pitchFamily="50" charset="-127"/>
+                  <a:ea typeface="굴림" panose="020B0600000101010101" pitchFamily="50" charset="-127"/>
+                </a:defRPr>
+              </a:lvl4pPr>
+              <a:lvl5pPr marL="2057400" indent="-228600" algn="ctr" latinLnBrk="1">
+                <a:defRPr kumimoji="1" sz="2400">
+                  <a:solidFill>
+                    <a:schemeClr val="tx1"/>
+                  </a:solidFill>
+                  <a:latin typeface="굴림" panose="020B0600000101010101" pitchFamily="50" charset="-127"/>
+                  <a:ea typeface="굴림" panose="020B0600000101010101" pitchFamily="50" charset="-127"/>
+                </a:defRPr>
+              </a:lvl5pPr>
+              <a:lvl6pPr marL="2514600" indent="-228600" algn="ctr" eaLnBrk="0" fontAlgn="base" hangingPunct="0">
+                <a:spcBef>
+                  <a:spcPct val="0"/>
+                </a:spcBef>
+                <a:spcAft>
+                  <a:spcPct val="0"/>
+                </a:spcAft>
+                <a:defRPr kumimoji="1" sz="2400">
+                  <a:solidFill>
+                    <a:schemeClr val="tx1"/>
+                  </a:solidFill>
+                  <a:latin typeface="굴림" panose="020B0600000101010101" pitchFamily="50" charset="-127"/>
+                  <a:ea typeface="굴림" panose="020B0600000101010101" pitchFamily="50" charset="-127"/>
+                </a:defRPr>
+              </a:lvl6pPr>
+              <a:lvl7pPr marL="2971800" indent="-228600" algn="ctr" eaLnBrk="0" fontAlgn="base" hangingPunct="0">
+                <a:spcBef>
+                  <a:spcPct val="0"/>
+                </a:spcBef>
+                <a:spcAft>
+                  <a:spcPct val="0"/>
+                </a:spcAft>
+                <a:defRPr kumimoji="1" sz="2400">
+                  <a:solidFill>
+                    <a:schemeClr val="tx1"/>
+                  </a:solidFill>
+                  <a:latin typeface="굴림" panose="020B0600000101010101" pitchFamily="50" charset="-127"/>
+                  <a:ea typeface="굴림" panose="020B0600000101010101" pitchFamily="50" charset="-127"/>
+                </a:defRPr>
+              </a:lvl7pPr>
+              <a:lvl8pPr marL="3429000" indent="-228600" algn="ctr" eaLnBrk="0" fontAlgn="base" hangingPunct="0">
+                <a:spcBef>
+                  <a:spcPct val="0"/>
+                </a:spcBef>
+                <a:spcAft>
+                  <a:spcPct val="0"/>
+                </a:spcAft>
+                <a:defRPr kumimoji="1" sz="2400">
+                  <a:solidFill>
+                    <a:schemeClr val="tx1"/>
+                  </a:solidFill>
+                  <a:latin typeface="굴림" panose="020B0600000101010101" pitchFamily="50" charset="-127"/>
+                  <a:ea typeface="굴림" panose="020B0600000101010101" pitchFamily="50" charset="-127"/>
+                </a:defRPr>
+              </a:lvl8pPr>
+              <a:lvl9pPr marL="3886200" indent="-228600" algn="ctr" eaLnBrk="0" fontAlgn="base" hangingPunct="0">
+                <a:spcBef>
+                  <a:spcPct val="0"/>
+                </a:spcBef>
+                <a:spcAft>
+                  <a:spcPct val="0"/>
+                </a:spcAft>
+                <a:defRPr kumimoji="1" sz="2400">
+                  <a:solidFill>
+                    <a:schemeClr val="tx1"/>
+                  </a:solidFill>
+                  <a:latin typeface="굴림" panose="020B0600000101010101" pitchFamily="50" charset="-127"/>
+                  <a:ea typeface="굴림" panose="020B0600000101010101" pitchFamily="50" charset="-127"/>
+                </a:defRPr>
+              </a:lvl9pPr>
+            </a:lstStyle>
+            <a:p>
+              <a:pPr algn="l" eaLnBrk="1" hangingPunct="1"/>
+              <a:r>
+                <a:rPr lang="en-US" altLang="ko-KR" sz="1400" b="1">
+                  <a:solidFill>
+                    <a:srgbClr val="FF3300"/>
+                  </a:solidFill>
+                  <a:latin typeface="Arial" panose="020B0604020202020204" pitchFamily="34" charset="0"/>
+                </a:rPr>
+                <a:t>Current Source</a:t>
+              </a:r>
+            </a:p>
+          </p:txBody>
+        </p:sp>
+        <p:sp>
+          <p:nvSpPr>
+            <p:cNvPr id="25" name="Line 108">
+              <a:extLst>
+                <a:ext uri="{FF2B5EF4-FFF2-40B4-BE49-F238E27FC236}">
+                  <a16:creationId xmlns:a16="http://schemas.microsoft.com/office/drawing/2014/main" id="{2F55AF6B-D121-4E67-A8CD-518F23294C06}"/>
+                </a:ext>
+              </a:extLst>
+            </p:cNvPr>
+            <p:cNvSpPr>
+              <a:spLocks noChangeShapeType="1"/>
+            </p:cNvSpPr>
+            <p:nvPr/>
+          </p:nvSpPr>
+          <p:spPr bwMode="auto">
+            <a:xfrm rot="16200000">
+              <a:off x="773113" y="2127251"/>
+              <a:ext cx="1665288" cy="0"/>
+            </a:xfrm>
+            <a:prstGeom prst="line">
+              <a:avLst/>
+            </a:prstGeom>
+            <a:noFill/>
+            <a:ln w="28575">
+              <a:solidFill>
+                <a:srgbClr val="FF66CC"/>
+              </a:solidFill>
+              <a:round/>
+              <a:headEnd/>
+              <a:tailEnd/>
+            </a:ln>
+            <a:effectLst/>
+            <a:extLst>
+              <a:ext uri="{909E8E84-426E-40DD-AFC4-6F175D3DCCD1}">
+                <a14:hiddenFill xmlns:a14="http://schemas.microsoft.com/office/drawing/2010/main">
+                  <a:noFill/>
+                </a14:hiddenFill>
+              </a:ext>
+              <a:ext uri="{AF507438-7753-43E0-B8FC-AC1667EBCBE1}">
+                <a14:hiddenEffects xmlns:a14="http://schemas.microsoft.com/office/drawing/2010/main">
+                  <a:effectLst>
+                    <a:outerShdw dist="35921" dir="2700000" algn="ctr" rotWithShape="0">
+                      <a:schemeClr val="bg2"/>
+                    </a:outerShdw>
+                  </a:effectLst>
+                </a14:hiddenEffects>
+              </a:ext>
+            </a:extLst>
+          </p:spPr>
+          <p:txBody>
+            <a:bodyPr/>
+            <a:lstStyle/>
+            <a:p>
+              <a:endParaRPr lang="ko-KR" altLang="en-US"/>
+            </a:p>
+          </p:txBody>
+        </p:sp>
+      </p:grpSp>
+    </p:spTree>
+    <p:extLst>
+      <p:ext uri="{BB962C8B-B14F-4D97-AF65-F5344CB8AC3E}">
+        <p14:creationId xmlns:p14="http://schemas.microsoft.com/office/powerpoint/2010/main" val="2746606048"/>
       </p:ext>
     </p:extLst>
   </p:cSld>
